--- a/batch4/basics/data/careerscale Java training - Web.pptx
+++ b/batch4/basics/data/careerscale Java training - Web.pptx
@@ -5,10 +5,10 @@
     <p:sldMasterId id="2147483654" r:id="rId1"/>
   </p:sldMasterIdLst>
   <p:notesMasterIdLst>
-    <p:notesMasterId r:id="rId24"/>
+    <p:notesMasterId r:id="rId25"/>
   </p:notesMasterIdLst>
   <p:handoutMasterIdLst>
-    <p:handoutMasterId r:id="rId25"/>
+    <p:handoutMasterId r:id="rId26"/>
   </p:handoutMasterIdLst>
   <p:sldIdLst>
     <p:sldId id="256" r:id="rId2"/>
@@ -26,13 +26,14 @@
     <p:sldId id="285" r:id="rId14"/>
     <p:sldId id="286" r:id="rId15"/>
     <p:sldId id="287" r:id="rId16"/>
-    <p:sldId id="292" r:id="rId17"/>
-    <p:sldId id="288" r:id="rId18"/>
-    <p:sldId id="290" r:id="rId19"/>
-    <p:sldId id="291" r:id="rId20"/>
-    <p:sldId id="293" r:id="rId21"/>
-    <p:sldId id="289" r:id="rId22"/>
-    <p:sldId id="273" r:id="rId23"/>
+    <p:sldId id="294" r:id="rId17"/>
+    <p:sldId id="292" r:id="rId18"/>
+    <p:sldId id="288" r:id="rId19"/>
+    <p:sldId id="290" r:id="rId20"/>
+    <p:sldId id="291" r:id="rId21"/>
+    <p:sldId id="293" r:id="rId22"/>
+    <p:sldId id="289" r:id="rId23"/>
+    <p:sldId id="273" r:id="rId24"/>
   </p:sldIdLst>
   <p:sldSz cx="10160000" cy="7620000"/>
   <p:notesSz cx="7620000" cy="10160000"/>
@@ -332,7 +333,7 @@
           <a:p>
             <a:fld id="{6EA59831-A4FD-404B-A574-E17A0D707D79}" type="datetimeFigureOut">
               <a:rPr lang="en-US" smtClean="0"/>
-              <a:t>1/23/2014</a:t>
+              <a:t>5/28/2014</a:t>
             </a:fld>
             <a:endParaRPr lang="en-US"/>
           </a:p>
@@ -2674,7 +2675,7 @@
           <a:p>
             <a:fld id="{7335BCAD-28A3-2344-B091-C05A95719D93}" type="datetime1">
               <a:rPr lang="en-US" smtClean="0"/>
-              <a:t>1/23/2014</a:t>
+              <a:t>5/28/2014</a:t>
             </a:fld>
             <a:endParaRPr lang="en-US"/>
           </a:p>
@@ -2844,7 +2845,7 @@
           <a:p>
             <a:fld id="{F2B52071-BC3D-194C-80EE-748C4FC80A05}" type="datetime1">
               <a:rPr lang="en-US" smtClean="0"/>
-              <a:t>1/23/2014</a:t>
+              <a:t>5/28/2014</a:t>
             </a:fld>
             <a:endParaRPr lang="en-US"/>
           </a:p>
@@ -3024,7 +3025,7 @@
           <a:p>
             <a:fld id="{D75BD0DF-E091-F54A-B991-4570D5265414}" type="datetime1">
               <a:rPr lang="en-US" smtClean="0"/>
-              <a:t>1/23/2014</a:t>
+              <a:t>5/28/2014</a:t>
             </a:fld>
             <a:endParaRPr lang="en-US"/>
           </a:p>
@@ -3194,7 +3195,7 @@
           <a:p>
             <a:fld id="{B59BAAC8-A4DE-8341-AB28-11AAE34E1314}" type="datetime1">
               <a:rPr lang="en-US" smtClean="0"/>
-              <a:t>1/23/2014</a:t>
+              <a:t>5/28/2014</a:t>
             </a:fld>
             <a:endParaRPr lang="en-US"/>
           </a:p>
@@ -3440,7 +3441,7 @@
           <a:p>
             <a:fld id="{452015B4-E5E9-0443-A493-BA477117441B}" type="datetime1">
               <a:rPr lang="en-US" smtClean="0"/>
-              <a:t>1/23/2014</a:t>
+              <a:t>5/28/2014</a:t>
             </a:fld>
             <a:endParaRPr lang="en-US"/>
           </a:p>
@@ -3728,7 +3729,7 @@
           <a:p>
             <a:fld id="{F6031484-A76B-FC49-953D-8EF79E6BF931}" type="datetime1">
               <a:rPr lang="en-US" smtClean="0"/>
-              <a:t>1/23/2014</a:t>
+              <a:t>5/28/2014</a:t>
             </a:fld>
             <a:endParaRPr lang="en-US"/>
           </a:p>
@@ -4150,7 +4151,7 @@
           <a:p>
             <a:fld id="{116C9722-D8C0-D44D-8937-4C0A36437D48}" type="datetime1">
               <a:rPr lang="en-US" smtClean="0"/>
-              <a:t>1/23/2014</a:t>
+              <a:t>5/28/2014</a:t>
             </a:fld>
             <a:endParaRPr lang="en-US"/>
           </a:p>
@@ -4268,7 +4269,7 @@
           <a:p>
             <a:fld id="{8EEABCDF-6945-8448-818E-02D7FAFF00FC}" type="datetime1">
               <a:rPr lang="en-US" smtClean="0"/>
-              <a:t>1/23/2014</a:t>
+              <a:t>5/28/2014</a:t>
             </a:fld>
             <a:endParaRPr lang="en-US"/>
           </a:p>
@@ -4363,7 +4364,7 @@
           <a:p>
             <a:fld id="{6BDC594B-4352-354E-957E-A6BD7381F993}" type="datetime1">
               <a:rPr lang="en-US" smtClean="0"/>
-              <a:t>1/23/2014</a:t>
+              <a:t>5/28/2014</a:t>
             </a:fld>
             <a:endParaRPr lang="en-US"/>
           </a:p>
@@ -4640,7 +4641,7 @@
           <a:p>
             <a:fld id="{7C3B09C4-C32A-7C49-8EBD-136015915A62}" type="datetime1">
               <a:rPr lang="en-US" smtClean="0"/>
-              <a:t>1/23/2014</a:t>
+              <a:t>5/28/2014</a:t>
             </a:fld>
             <a:endParaRPr lang="en-US"/>
           </a:p>
@@ -4893,7 +4894,7 @@
           <a:p>
             <a:fld id="{46B1F9E6-9FF6-6144-8C69-66DC0FD9BB46}" type="datetime1">
               <a:rPr lang="en-US" smtClean="0"/>
-              <a:t>1/23/2014</a:t>
+              <a:t>5/28/2014</a:t>
             </a:fld>
             <a:endParaRPr lang="en-US"/>
           </a:p>
@@ -5106,7 +5107,7 @@
           <a:p>
             <a:fld id="{C117D751-BA2E-5848-BDEF-37ADECBF10F3}" type="datetime1">
               <a:rPr lang="en-US" smtClean="0"/>
-              <a:t>1/23/2014</a:t>
+              <a:t>5/28/2014</a:t>
             </a:fld>
             <a:endParaRPr lang="en-US"/>
           </a:p>
@@ -9304,49 +9305,6 @@
       </p:sp>
       <p:sp>
         <p:nvSpPr>
-          <p:cNvPr id="215" name="Shape 215"/>
-          <p:cNvSpPr txBox="1">
-            <a:spLocks noGrp="1"/>
-          </p:cNvSpPr>
-          <p:nvPr>
-            <p:ph type="ftr" idx="4294967295"/>
-          </p:nvPr>
-        </p:nvSpPr>
-        <p:spPr>
-          <a:xfrm>
-            <a:off x="3471334" y="7027333"/>
-            <a:ext cx="3217333" cy="440971"/>
-          </a:xfrm>
-          <a:prstGeom prst="rect">
-            <a:avLst/>
-          </a:prstGeom>
-          <a:noFill/>
-          <a:ln>
-            <a:noFill/>
-          </a:ln>
-        </p:spPr>
-        <p:txBody>
-          <a:bodyPr lIns="101582" tIns="50777" rIns="101582" bIns="50777" anchor="t" anchorCtr="0">
-            <a:noAutofit/>
-          </a:bodyPr>
-          <a:lstStyle/>
-          <a:p>
-            <a:pPr algn="l">
-              <a:buSzPct val="25000"/>
-            </a:pPr>
-            <a:r>
-              <a:rPr lang="en-US" sz="2000">
-                <a:solidFill>
-                  <a:schemeClr val="dk1"/>
-                </a:solidFill>
-              </a:rPr>
-              <a:t>CS 142 Lecture Notes: HTTP</a:t>
-            </a:r>
-          </a:p>
-        </p:txBody>
-      </p:sp>
-      <p:sp>
-        <p:nvSpPr>
           <p:cNvPr id="216" name="Shape 216"/>
           <p:cNvSpPr txBox="1">
             <a:spLocks noGrp="1"/>
@@ -9401,6 +9359,118 @@
 </file>
 
 <file path=ppt/slides/slide16.xml><?xml version="1.0" encoding="utf-8"?>
+<p:sld xmlns:a="http://schemas.openxmlformats.org/drawingml/2006/main" xmlns:r="http://schemas.openxmlformats.org/officeDocument/2006/relationships" xmlns:p="http://schemas.openxmlformats.org/presentationml/2006/main">
+  <p:cSld>
+    <p:spTree>
+      <p:nvGrpSpPr>
+        <p:cNvPr id="1" name=""/>
+        <p:cNvGrpSpPr/>
+        <p:nvPr/>
+      </p:nvGrpSpPr>
+      <p:grpSpPr>
+        <a:xfrm>
+          <a:off x="0" y="0"/>
+          <a:ext cx="0" cy="0"/>
+          <a:chOff x="0" y="0"/>
+          <a:chExt cx="0" cy="0"/>
+        </a:xfrm>
+      </p:grpSpPr>
+      <p:pic>
+        <p:nvPicPr>
+          <p:cNvPr id="4" name="Picture 2" descr="Http Status Codes"/>
+          <p:cNvPicPr>
+            <a:picLocks noChangeAspect="1" noChangeArrowheads="1"/>
+          </p:cNvPicPr>
+          <p:nvPr/>
+        </p:nvPicPr>
+        <p:blipFill>
+          <a:blip r:embed="rId2">
+            <a:extLst>
+              <a:ext uri="{28A0092B-C50C-407E-A947-70E740481C1C}">
+                <a14:useLocalDpi xmlns:a14="http://schemas.microsoft.com/office/drawing/2010/main" val="0"/>
+              </a:ext>
+            </a:extLst>
+          </a:blip>
+          <a:srcRect/>
+          <a:stretch>
+            <a:fillRect/>
+          </a:stretch>
+        </p:blipFill>
+        <p:spPr bwMode="auto">
+          <a:xfrm>
+            <a:off x="2147454" y="803160"/>
+            <a:ext cx="4419599" cy="6253422"/>
+          </a:xfrm>
+          <a:prstGeom prst="rect">
+            <a:avLst/>
+          </a:prstGeom>
+          <a:noFill/>
+          <a:extLst>
+            <a:ext uri="{909E8E84-426E-40DD-AFC4-6F175D3DCCD1}">
+              <a14:hiddenFill xmlns:a14="http://schemas.microsoft.com/office/drawing/2010/main">
+                <a:solidFill>
+                  <a:srgbClr val="FFFFFF"/>
+                </a:solidFill>
+              </a14:hiddenFill>
+            </a:ext>
+          </a:extLst>
+        </p:spPr>
+      </p:pic>
+      <p:sp>
+        <p:nvSpPr>
+          <p:cNvPr id="5" name="Rectangle 4"/>
+          <p:cNvSpPr/>
+          <p:nvPr/>
+        </p:nvSpPr>
+        <p:spPr>
+          <a:xfrm>
+            <a:off x="1981118" y="7113643"/>
+            <a:ext cx="3615092" cy="307777"/>
+          </a:xfrm>
+          <a:prstGeom prst="rect">
+            <a:avLst/>
+          </a:prstGeom>
+        </p:spPr>
+        <p:txBody>
+          <a:bodyPr wrap="none">
+            <a:spAutoFit/>
+          </a:bodyPr>
+          <a:lstStyle/>
+          <a:p>
+            <a:r>
+              <a:rPr lang="en-US" dirty="0">
+                <a:hlinkClick r:id="rId3"/>
+              </a:rPr>
+              <a:t>http://</a:t>
+            </a:r>
+            <a:r>
+              <a:rPr lang="en-US" dirty="0" smtClean="0">
+                <a:hlinkClick r:id="rId3"/>
+              </a:rPr>
+              <a:t>moz.com/learn/seo/http-status-codes</a:t>
+            </a:r>
+            <a:r>
+              <a:rPr lang="en-US" dirty="0" smtClean="0"/>
+              <a:t> </a:t>
+            </a:r>
+            <a:endParaRPr lang="en-US" dirty="0"/>
+          </a:p>
+        </p:txBody>
+      </p:sp>
+    </p:spTree>
+    <p:extLst>
+      <p:ext uri="{BB962C8B-B14F-4D97-AF65-F5344CB8AC3E}">
+        <p14:creationId xmlns:p14="http://schemas.microsoft.com/office/powerpoint/2010/main" val="3866799918"/>
+      </p:ext>
+    </p:extLst>
+  </p:cSld>
+  <p:clrMapOvr>
+    <a:masterClrMapping/>
+  </p:clrMapOvr>
+</p:sld>
+</file>
+
+<file path=ppt/slides/slide17.xml><?xml version="1.0" encoding="utf-8"?>
 <p:sld xmlns:a="http://schemas.openxmlformats.org/drawingml/2006/main" xmlns:r="http://schemas.openxmlformats.org/officeDocument/2006/relationships" xmlns:p="http://schemas.openxmlformats.org/presentationml/2006/main">
   <p:cSld>
     <p:spTree>
@@ -9494,7 +9564,7 @@
 </p:sld>
 </file>
 
-<file path=ppt/slides/slide17.xml><?xml version="1.0" encoding="utf-8"?>
+<file path=ppt/slides/slide18.xml><?xml version="1.0" encoding="utf-8"?>
 <p:sld xmlns:a="http://schemas.openxmlformats.org/drawingml/2006/main" xmlns:r="http://schemas.openxmlformats.org/officeDocument/2006/relationships" xmlns:p="http://schemas.openxmlformats.org/presentationml/2006/main">
   <p:cSld>
     <p:spTree>
@@ -9661,7 +9731,7 @@
 </p:sld>
 </file>
 
-<file path=ppt/slides/slide18.xml><?xml version="1.0" encoding="utf-8"?>
+<file path=ppt/slides/slide19.xml><?xml version="1.0" encoding="utf-8"?>
 <p:sld xmlns:a="http://schemas.openxmlformats.org/drawingml/2006/main" xmlns:r="http://schemas.openxmlformats.org/officeDocument/2006/relationships" xmlns:p="http://schemas.openxmlformats.org/presentationml/2006/main">
   <p:cSld>
     <p:spTree>
@@ -9723,1630 +9793,6 @@
     <p:extLst>
       <p:ext uri="{BB962C8B-B14F-4D97-AF65-F5344CB8AC3E}">
         <p14:creationId xmlns:p14="http://schemas.microsoft.com/office/powerpoint/2010/main" val="3417555464"/>
-      </p:ext>
-    </p:extLst>
-  </p:cSld>
-  <p:clrMapOvr>
-    <a:masterClrMapping/>
-  </p:clrMapOvr>
-</p:sld>
-</file>
-
-<file path=ppt/slides/slide19.xml><?xml version="1.0" encoding="utf-8"?>
-<p:sld xmlns:a="http://schemas.openxmlformats.org/drawingml/2006/main" xmlns:r="http://schemas.openxmlformats.org/officeDocument/2006/relationships" xmlns:p="http://schemas.openxmlformats.org/presentationml/2006/main">
-  <p:cSld>
-    <p:spTree>
-      <p:nvGrpSpPr>
-        <p:cNvPr id="1" name=""/>
-        <p:cNvGrpSpPr/>
-        <p:nvPr/>
-      </p:nvGrpSpPr>
-      <p:grpSpPr>
-        <a:xfrm>
-          <a:off x="0" y="0"/>
-          <a:ext cx="0" cy="0"/>
-          <a:chOff x="0" y="0"/>
-          <a:chExt cx="0" cy="0"/>
-        </a:xfrm>
-      </p:grpSpPr>
-      <p:sp>
-        <p:nvSpPr>
-          <p:cNvPr id="2" name="Title 1"/>
-          <p:cNvSpPr>
-            <a:spLocks noGrp="1"/>
-          </p:cNvSpPr>
-          <p:nvPr>
-            <p:ph type="title"/>
-          </p:nvPr>
-        </p:nvSpPr>
-        <p:spPr>
-          <a:xfrm>
-            <a:off x="927261" y="1294374"/>
-            <a:ext cx="8636000" cy="1513417"/>
-          </a:xfrm>
-        </p:spPr>
-        <p:txBody>
-          <a:bodyPr/>
-          <a:lstStyle/>
-          <a:p>
-            <a:r>
-              <a:rPr lang="en-US" dirty="0" smtClean="0"/>
-              <a:t>MODEL VIEW CONTROLLER - MVC</a:t>
-            </a:r>
-            <a:endParaRPr lang="en-US" dirty="0"/>
-          </a:p>
-        </p:txBody>
-      </p:sp>
-      <p:pic>
-        <p:nvPicPr>
-          <p:cNvPr id="3074" name="Picture 2" descr="C:\Program Files\Microsoft Office\MEDIA\CAGCAT10\j0292020.wmf"/>
-          <p:cNvPicPr>
-            <a:picLocks noChangeAspect="1" noChangeArrowheads="1"/>
-          </p:cNvPicPr>
-          <p:nvPr/>
-        </p:nvPicPr>
-        <p:blipFill>
-          <a:blip r:embed="rId2">
-            <a:extLst>
-              <a:ext uri="{28A0092B-C50C-407E-A947-70E740481C1C}">
-                <a14:useLocalDpi xmlns:a14="http://schemas.microsoft.com/office/drawing/2010/main" val="0"/>
-              </a:ext>
-            </a:extLst>
-          </a:blip>
-          <a:srcRect/>
-          <a:stretch>
-            <a:fillRect/>
-          </a:stretch>
-        </p:blipFill>
-        <p:spPr bwMode="auto">
-          <a:xfrm>
-            <a:off x="534989" y="3187700"/>
-            <a:ext cx="1312670" cy="1245755"/>
-          </a:xfrm>
-          <a:prstGeom prst="rect">
-            <a:avLst/>
-          </a:prstGeom>
-          <a:noFill/>
-          <a:extLst>
-            <a:ext uri="{909E8E84-426E-40DD-AFC4-6F175D3DCCD1}">
-              <a14:hiddenFill xmlns:a14="http://schemas.microsoft.com/office/drawing/2010/main">
-                <a:solidFill>
-                  <a:srgbClr val="FFFFFF"/>
-                </a:solidFill>
-              </a14:hiddenFill>
-            </a:ext>
-          </a:extLst>
-        </p:spPr>
-      </p:pic>
-      <p:grpSp>
-        <p:nvGrpSpPr>
-          <p:cNvPr id="4" name="Group 3"/>
-          <p:cNvGrpSpPr>
-            <a:grpSpLocks/>
-          </p:cNvGrpSpPr>
-          <p:nvPr/>
-        </p:nvGrpSpPr>
-        <p:grpSpPr bwMode="auto">
-          <a:xfrm>
-            <a:off x="5877358" y="2469851"/>
-            <a:ext cx="810098" cy="1178882"/>
-            <a:chOff x="1632" y="1248"/>
-            <a:chExt cx="2682" cy="2286"/>
-          </a:xfrm>
-        </p:grpSpPr>
-        <p:sp>
-          <p:nvSpPr>
-            <p:cNvPr id="5" name="Gear"/>
-            <p:cNvSpPr>
-              <a:spLocks noEditPoints="1" noChangeArrowheads="1"/>
-            </p:cNvSpPr>
-            <p:nvPr/>
-          </p:nvSpPr>
-          <p:spPr bwMode="auto">
-            <a:xfrm>
-              <a:off x="3119" y="1248"/>
-              <a:ext cx="1195" cy="1048"/>
-            </a:xfrm>
-            <a:custGeom>
-              <a:avLst/>
-              <a:gdLst>
-                <a:gd name="T0" fmla="*/ 10800 w 21600"/>
-                <a:gd name="T1" fmla="*/ 0 h 21600"/>
-                <a:gd name="T2" fmla="*/ 21600 w 21600"/>
-                <a:gd name="T3" fmla="*/ 10800 h 21600"/>
-                <a:gd name="T4" fmla="*/ 10800 w 21600"/>
-                <a:gd name="T5" fmla="*/ 21600 h 21600"/>
-                <a:gd name="T6" fmla="*/ 0 w 21600"/>
-                <a:gd name="T7" fmla="*/ 10800 h 21600"/>
-                <a:gd name="T8" fmla="*/ 4374 w 21600"/>
-                <a:gd name="T9" fmla="*/ 3964 h 21600"/>
-                <a:gd name="T10" fmla="*/ 17841 w 21600"/>
-                <a:gd name="T11" fmla="*/ 17635 h 21600"/>
-              </a:gdLst>
-              <a:ahLst/>
-              <a:cxnLst>
-                <a:cxn ang="0">
-                  <a:pos x="T0" y="T1"/>
-                </a:cxn>
-                <a:cxn ang="0">
-                  <a:pos x="T2" y="T3"/>
-                </a:cxn>
-                <a:cxn ang="0">
-                  <a:pos x="T4" y="T5"/>
-                </a:cxn>
-                <a:cxn ang="0">
-                  <a:pos x="T6" y="T7"/>
-                </a:cxn>
-              </a:cxnLst>
-              <a:rect l="T8" t="T9" r="T10" b="T11"/>
-              <a:pathLst>
-                <a:path w="21600" h="21600">
-                  <a:moveTo>
-                    <a:pt x="9689" y="1725"/>
-                  </a:moveTo>
-                  <a:lnTo>
-                    <a:pt x="10304" y="85"/>
-                  </a:lnTo>
-                  <a:lnTo>
-                    <a:pt x="11637" y="85"/>
-                  </a:lnTo>
-                  <a:lnTo>
-                    <a:pt x="12303" y="1777"/>
-                  </a:lnTo>
-                  <a:lnTo>
-                    <a:pt x="13072" y="1931"/>
-                  </a:lnTo>
-                  <a:lnTo>
-                    <a:pt x="14303" y="598"/>
-                  </a:lnTo>
-                  <a:lnTo>
-                    <a:pt x="15533" y="1110"/>
-                  </a:lnTo>
-                  <a:lnTo>
-                    <a:pt x="15584" y="2905"/>
-                  </a:lnTo>
-                  <a:lnTo>
-                    <a:pt x="16405" y="3520"/>
-                  </a:lnTo>
-                  <a:lnTo>
-                    <a:pt x="17891" y="2751"/>
-                  </a:lnTo>
-                  <a:lnTo>
-                    <a:pt x="18917" y="3674"/>
-                  </a:lnTo>
-                  <a:lnTo>
-                    <a:pt x="18199" y="5314"/>
-                  </a:lnTo>
-                  <a:lnTo>
-                    <a:pt x="18763" y="6083"/>
-                  </a:lnTo>
-                  <a:lnTo>
-                    <a:pt x="20403" y="6032"/>
-                  </a:lnTo>
-                  <a:lnTo>
-                    <a:pt x="20865" y="7211"/>
-                  </a:lnTo>
-                  <a:lnTo>
-                    <a:pt x="19737" y="8185"/>
-                  </a:lnTo>
-                  <a:lnTo>
-                    <a:pt x="20096" y="9723"/>
-                  </a:lnTo>
-                  <a:lnTo>
-                    <a:pt x="21634" y="10287"/>
-                  </a:lnTo>
-                  <a:lnTo>
-                    <a:pt x="21582" y="11620"/>
-                  </a:lnTo>
-                  <a:lnTo>
-                    <a:pt x="20147" y="12184"/>
-                  </a:lnTo>
-                  <a:lnTo>
-                    <a:pt x="19942" y="13158"/>
-                  </a:lnTo>
-                  <a:lnTo>
-                    <a:pt x="21070" y="14234"/>
-                  </a:lnTo>
-                  <a:lnTo>
-                    <a:pt x="20608" y="15362"/>
-                  </a:lnTo>
-                  <a:lnTo>
-                    <a:pt x="19019" y="15465"/>
-                  </a:lnTo>
-                  <a:lnTo>
-                    <a:pt x="18404" y="16439"/>
-                  </a:lnTo>
-                  <a:lnTo>
-                    <a:pt x="19122" y="17925"/>
-                  </a:lnTo>
-                  <a:lnTo>
-                    <a:pt x="18096" y="18797"/>
-                  </a:lnTo>
-                  <a:lnTo>
-                    <a:pt x="16763" y="18284"/>
-                  </a:lnTo>
-                  <a:lnTo>
-                    <a:pt x="15431" y="19002"/>
-                  </a:lnTo>
-                  <a:lnTo>
-                    <a:pt x="15277" y="20848"/>
-                  </a:lnTo>
-                  <a:lnTo>
-                    <a:pt x="14149" y="21155"/>
-                  </a:lnTo>
-                  <a:lnTo>
-                    <a:pt x="13021" y="19925"/>
-                  </a:lnTo>
-                  <a:lnTo>
-                    <a:pt x="12252" y="20181"/>
-                  </a:lnTo>
-                  <a:lnTo>
-                    <a:pt x="11739" y="21668"/>
-                  </a:lnTo>
-                  <a:lnTo>
-                    <a:pt x="10201" y="21668"/>
-                  </a:lnTo>
-                  <a:lnTo>
-                    <a:pt x="9740" y="20130"/>
-                  </a:lnTo>
-                  <a:lnTo>
-                    <a:pt x="8253" y="19771"/>
-                  </a:lnTo>
-                  <a:lnTo>
-                    <a:pt x="7125" y="21001"/>
-                  </a:lnTo>
-                  <a:lnTo>
-                    <a:pt x="5895" y="20489"/>
-                  </a:lnTo>
-                  <a:lnTo>
-                    <a:pt x="5946" y="18592"/>
-                  </a:lnTo>
-                  <a:lnTo>
-                    <a:pt x="5177" y="18131"/>
-                  </a:lnTo>
-                  <a:lnTo>
-                    <a:pt x="3383" y="18848"/>
-                  </a:lnTo>
-                  <a:lnTo>
-                    <a:pt x="2614" y="17874"/>
-                  </a:lnTo>
-                  <a:lnTo>
-                    <a:pt x="3383" y="16182"/>
-                  </a:lnTo>
-                  <a:lnTo>
-                    <a:pt x="2922" y="15465"/>
-                  </a:lnTo>
-                  <a:lnTo>
-                    <a:pt x="922" y="15516"/>
-                  </a:lnTo>
-                  <a:lnTo>
-                    <a:pt x="512" y="14234"/>
-                  </a:lnTo>
-                  <a:lnTo>
-                    <a:pt x="1948" y="12901"/>
-                  </a:lnTo>
-                  <a:lnTo>
-                    <a:pt x="1896" y="12184"/>
-                  </a:lnTo>
-                  <a:lnTo>
-                    <a:pt x="0" y="11415"/>
-                  </a:lnTo>
-                  <a:lnTo>
-                    <a:pt x="51" y="10031"/>
-                  </a:lnTo>
-                  <a:lnTo>
-                    <a:pt x="1948" y="9313"/>
-                  </a:lnTo>
-                  <a:lnTo>
-                    <a:pt x="2101" y="8595"/>
-                  </a:lnTo>
-                  <a:lnTo>
-                    <a:pt x="615" y="7160"/>
-                  </a:lnTo>
-                  <a:lnTo>
-                    <a:pt x="1127" y="5878"/>
-                  </a:lnTo>
-                  <a:lnTo>
-                    <a:pt x="3178" y="5981"/>
-                  </a:lnTo>
-                  <a:lnTo>
-                    <a:pt x="3588" y="5417"/>
-                  </a:lnTo>
-                  <a:lnTo>
-                    <a:pt x="2819" y="3520"/>
-                  </a:lnTo>
-                  <a:lnTo>
-                    <a:pt x="3742" y="2597"/>
-                  </a:lnTo>
-                  <a:lnTo>
-                    <a:pt x="5536" y="3417"/>
-                  </a:lnTo>
-                  <a:lnTo>
-                    <a:pt x="6049" y="3058"/>
-                  </a:lnTo>
-                  <a:lnTo>
-                    <a:pt x="6100" y="1264"/>
-                  </a:lnTo>
-                  <a:lnTo>
-                    <a:pt x="7228" y="700"/>
-                  </a:lnTo>
-                  <a:lnTo>
-                    <a:pt x="8510" y="2033"/>
-                  </a:lnTo>
-                  <a:lnTo>
-                    <a:pt x="9689" y="1725"/>
-                  </a:lnTo>
-                  <a:close/>
-                  <a:moveTo>
-                    <a:pt x="10817" y="14422"/>
-                  </a:moveTo>
-                  <a:lnTo>
-                    <a:pt x="11175" y="14388"/>
-                  </a:lnTo>
-                  <a:lnTo>
-                    <a:pt x="11534" y="14354"/>
-                  </a:lnTo>
-                  <a:lnTo>
-                    <a:pt x="11893" y="14268"/>
-                  </a:lnTo>
-                  <a:lnTo>
-                    <a:pt x="12218" y="14166"/>
-                  </a:lnTo>
-                  <a:lnTo>
-                    <a:pt x="12508" y="13995"/>
-                  </a:lnTo>
-                  <a:lnTo>
-                    <a:pt x="12816" y="13807"/>
-                  </a:lnTo>
-                  <a:lnTo>
-                    <a:pt x="13106" y="13602"/>
-                  </a:lnTo>
-                  <a:lnTo>
-                    <a:pt x="13329" y="13380"/>
-                  </a:lnTo>
-                  <a:lnTo>
-                    <a:pt x="13568" y="13106"/>
-                  </a:lnTo>
-                  <a:lnTo>
-                    <a:pt x="13790" y="12850"/>
-                  </a:lnTo>
-                  <a:lnTo>
-                    <a:pt x="13961" y="12560"/>
-                  </a:lnTo>
-                  <a:lnTo>
-                    <a:pt x="14115" y="12269"/>
-                  </a:lnTo>
-                  <a:lnTo>
-                    <a:pt x="14217" y="11927"/>
-                  </a:lnTo>
-                  <a:lnTo>
-                    <a:pt x="14320" y="11568"/>
-                  </a:lnTo>
-                  <a:lnTo>
-                    <a:pt x="14388" y="11210"/>
-                  </a:lnTo>
-                  <a:lnTo>
-                    <a:pt x="14388" y="10851"/>
-                  </a:lnTo>
-                  <a:lnTo>
-                    <a:pt x="14388" y="10492"/>
-                  </a:lnTo>
-                  <a:lnTo>
-                    <a:pt x="14320" y="10133"/>
-                  </a:lnTo>
-                  <a:lnTo>
-                    <a:pt x="14217" y="9808"/>
-                  </a:lnTo>
-                  <a:lnTo>
-                    <a:pt x="14115" y="9467"/>
-                  </a:lnTo>
-                  <a:lnTo>
-                    <a:pt x="13961" y="9142"/>
-                  </a:lnTo>
-                  <a:lnTo>
-                    <a:pt x="13790" y="8851"/>
-                  </a:lnTo>
-                  <a:lnTo>
-                    <a:pt x="13568" y="8595"/>
-                  </a:lnTo>
-                  <a:lnTo>
-                    <a:pt x="13329" y="8322"/>
-                  </a:lnTo>
-                  <a:lnTo>
-                    <a:pt x="13106" y="8100"/>
-                  </a:lnTo>
-                  <a:lnTo>
-                    <a:pt x="12816" y="7894"/>
-                  </a:lnTo>
-                  <a:lnTo>
-                    <a:pt x="12508" y="7741"/>
-                  </a:lnTo>
-                  <a:lnTo>
-                    <a:pt x="12218" y="7570"/>
-                  </a:lnTo>
-                  <a:lnTo>
-                    <a:pt x="11893" y="7433"/>
-                  </a:lnTo>
-                  <a:lnTo>
-                    <a:pt x="11534" y="7382"/>
-                  </a:lnTo>
-                  <a:lnTo>
-                    <a:pt x="11175" y="7313"/>
-                  </a:lnTo>
-                  <a:lnTo>
-                    <a:pt x="10817" y="7313"/>
-                  </a:lnTo>
-                  <a:lnTo>
-                    <a:pt x="10441" y="7313"/>
-                  </a:lnTo>
-                  <a:lnTo>
-                    <a:pt x="10082" y="7382"/>
-                  </a:lnTo>
-                  <a:lnTo>
-                    <a:pt x="9757" y="7433"/>
-                  </a:lnTo>
-                  <a:lnTo>
-                    <a:pt x="9432" y="7570"/>
-                  </a:lnTo>
-                  <a:lnTo>
-                    <a:pt x="9142" y="7741"/>
-                  </a:lnTo>
-                  <a:lnTo>
-                    <a:pt x="8834" y="7894"/>
-                  </a:lnTo>
-                  <a:lnTo>
-                    <a:pt x="8544" y="8100"/>
-                  </a:lnTo>
-                  <a:lnTo>
-                    <a:pt x="8287" y="8322"/>
-                  </a:lnTo>
-                  <a:lnTo>
-                    <a:pt x="8048" y="8595"/>
-                  </a:lnTo>
-                  <a:lnTo>
-                    <a:pt x="7860" y="8851"/>
-                  </a:lnTo>
-                  <a:lnTo>
-                    <a:pt x="7689" y="9142"/>
-                  </a:lnTo>
-                  <a:lnTo>
-                    <a:pt x="7536" y="9467"/>
-                  </a:lnTo>
-                  <a:lnTo>
-                    <a:pt x="7399" y="9808"/>
-                  </a:lnTo>
-                  <a:lnTo>
-                    <a:pt x="7331" y="10133"/>
-                  </a:lnTo>
-                  <a:lnTo>
-                    <a:pt x="7262" y="10492"/>
-                  </a:lnTo>
-                  <a:lnTo>
-                    <a:pt x="7262" y="10851"/>
-                  </a:lnTo>
-                  <a:lnTo>
-                    <a:pt x="7262" y="11210"/>
-                  </a:lnTo>
-                  <a:lnTo>
-                    <a:pt x="7331" y="11568"/>
-                  </a:lnTo>
-                  <a:lnTo>
-                    <a:pt x="7399" y="11927"/>
-                  </a:lnTo>
-                  <a:lnTo>
-                    <a:pt x="7536" y="12269"/>
-                  </a:lnTo>
-                  <a:lnTo>
-                    <a:pt x="7689" y="12560"/>
-                  </a:lnTo>
-                  <a:lnTo>
-                    <a:pt x="7860" y="12850"/>
-                  </a:lnTo>
-                  <a:lnTo>
-                    <a:pt x="8048" y="13106"/>
-                  </a:lnTo>
-                  <a:lnTo>
-                    <a:pt x="8287" y="13380"/>
-                  </a:lnTo>
-                  <a:lnTo>
-                    <a:pt x="8544" y="13602"/>
-                  </a:lnTo>
-                  <a:lnTo>
-                    <a:pt x="8834" y="13807"/>
-                  </a:lnTo>
-                  <a:lnTo>
-                    <a:pt x="9142" y="13995"/>
-                  </a:lnTo>
-                  <a:lnTo>
-                    <a:pt x="9432" y="14166"/>
-                  </a:lnTo>
-                  <a:lnTo>
-                    <a:pt x="9757" y="14268"/>
-                  </a:lnTo>
-                  <a:lnTo>
-                    <a:pt x="10082" y="14354"/>
-                  </a:lnTo>
-                  <a:lnTo>
-                    <a:pt x="10441" y="14388"/>
-                  </a:lnTo>
-                  <a:lnTo>
-                    <a:pt x="10817" y="14422"/>
-                  </a:lnTo>
-                  <a:close/>
-                </a:path>
-              </a:pathLst>
-            </a:custGeom>
-            <a:solidFill>
-              <a:srgbClr val="C0C0C0"/>
-            </a:solidFill>
-            <a:ln w="9525">
-              <a:miter lim="800000"/>
-              <a:headEnd/>
-              <a:tailEnd/>
-            </a:ln>
-            <a:effectLst/>
-            <a:scene3d>
-              <a:camera prst="legacyPerspectiveFront">
-                <a:rot lat="20099999" lon="1500000" rev="0"/>
-              </a:camera>
-              <a:lightRig rig="legacyFlat4" dir="b"/>
-            </a:scene3d>
-            <a:sp3d extrusionH="430200" prstMaterial="legacyMatte">
-              <a:bevelT w="13500" h="13500" prst="angle"/>
-              <a:bevelB w="13500" h="13500" prst="angle"/>
-              <a:extrusionClr>
-                <a:srgbClr val="C0C0C0"/>
-              </a:extrusionClr>
-            </a:sp3d>
-            <a:extLst>
-              <a:ext uri="{AF507438-7753-43E0-B8FC-AC1667EBCBE1}">
-                <a14:hiddenEffects xmlns:a14="http://schemas.microsoft.com/office/drawing/2010/main">
-                  <a:effectLst>
-                    <a:outerShdw dist="35921" dir="2700000" algn="ctr" rotWithShape="0">
-                      <a:srgbClr val="808080"/>
-                    </a:outerShdw>
-                  </a:effectLst>
-                </a14:hiddenEffects>
-              </a:ext>
-            </a:extLst>
-          </p:spPr>
-          <p:txBody>
-            <a:bodyPr vert="horz" wrap="square" lIns="91440" tIns="45720" rIns="91440" bIns="45720" numCol="1" anchor="t" anchorCtr="0" compatLnSpc="1">
-              <a:prstTxWarp prst="textNoShape">
-                <a:avLst/>
-              </a:prstTxWarp>
-              <a:flatTx/>
-            </a:bodyPr>
-            <a:lstStyle/>
-            <a:p>
-              <a:endParaRPr lang="en-US"/>
-            </a:p>
-          </p:txBody>
-        </p:sp>
-        <p:sp>
-          <p:nvSpPr>
-            <p:cNvPr id="6" name="AutoShape 5"/>
-            <p:cNvSpPr>
-              <a:spLocks noEditPoints="1" noChangeArrowheads="1"/>
-            </p:cNvSpPr>
-            <p:nvPr/>
-          </p:nvSpPr>
-          <p:spPr bwMode="auto">
-            <a:xfrm>
-              <a:off x="1632" y="1680"/>
-              <a:ext cx="1429" cy="1253"/>
-            </a:xfrm>
-            <a:custGeom>
-              <a:avLst/>
-              <a:gdLst>
-                <a:gd name="T0" fmla="*/ 10800 w 21600"/>
-                <a:gd name="T1" fmla="*/ 0 h 21600"/>
-                <a:gd name="T2" fmla="*/ 21600 w 21600"/>
-                <a:gd name="T3" fmla="*/ 10800 h 21600"/>
-                <a:gd name="T4" fmla="*/ 10800 w 21600"/>
-                <a:gd name="T5" fmla="*/ 21600 h 21600"/>
-                <a:gd name="T6" fmla="*/ 0 w 21600"/>
-                <a:gd name="T7" fmla="*/ 10800 h 21600"/>
-                <a:gd name="T8" fmla="*/ 4374 w 21600"/>
-                <a:gd name="T9" fmla="*/ 3964 h 21600"/>
-                <a:gd name="T10" fmla="*/ 17841 w 21600"/>
-                <a:gd name="T11" fmla="*/ 17635 h 21600"/>
-              </a:gdLst>
-              <a:ahLst/>
-              <a:cxnLst>
-                <a:cxn ang="0">
-                  <a:pos x="T0" y="T1"/>
-                </a:cxn>
-                <a:cxn ang="0">
-                  <a:pos x="T2" y="T3"/>
-                </a:cxn>
-                <a:cxn ang="0">
-                  <a:pos x="T4" y="T5"/>
-                </a:cxn>
-                <a:cxn ang="0">
-                  <a:pos x="T6" y="T7"/>
-                </a:cxn>
-              </a:cxnLst>
-              <a:rect l="T8" t="T9" r="T10" b="T11"/>
-              <a:pathLst>
-                <a:path w="21600" h="21600">
-                  <a:moveTo>
-                    <a:pt x="9689" y="1725"/>
-                  </a:moveTo>
-                  <a:lnTo>
-                    <a:pt x="10304" y="85"/>
-                  </a:lnTo>
-                  <a:lnTo>
-                    <a:pt x="11637" y="85"/>
-                  </a:lnTo>
-                  <a:lnTo>
-                    <a:pt x="12303" y="1777"/>
-                  </a:lnTo>
-                  <a:lnTo>
-                    <a:pt x="13072" y="1931"/>
-                  </a:lnTo>
-                  <a:lnTo>
-                    <a:pt x="14303" y="598"/>
-                  </a:lnTo>
-                  <a:lnTo>
-                    <a:pt x="15533" y="1110"/>
-                  </a:lnTo>
-                  <a:lnTo>
-                    <a:pt x="15584" y="2905"/>
-                  </a:lnTo>
-                  <a:lnTo>
-                    <a:pt x="16405" y="3520"/>
-                  </a:lnTo>
-                  <a:lnTo>
-                    <a:pt x="17891" y="2751"/>
-                  </a:lnTo>
-                  <a:lnTo>
-                    <a:pt x="18917" y="3674"/>
-                  </a:lnTo>
-                  <a:lnTo>
-                    <a:pt x="18199" y="5314"/>
-                  </a:lnTo>
-                  <a:lnTo>
-                    <a:pt x="18763" y="6083"/>
-                  </a:lnTo>
-                  <a:lnTo>
-                    <a:pt x="20403" y="6032"/>
-                  </a:lnTo>
-                  <a:lnTo>
-                    <a:pt x="20865" y="7211"/>
-                  </a:lnTo>
-                  <a:lnTo>
-                    <a:pt x="19737" y="8185"/>
-                  </a:lnTo>
-                  <a:lnTo>
-                    <a:pt x="20096" y="9723"/>
-                  </a:lnTo>
-                  <a:lnTo>
-                    <a:pt x="21634" y="10287"/>
-                  </a:lnTo>
-                  <a:lnTo>
-                    <a:pt x="21582" y="11620"/>
-                  </a:lnTo>
-                  <a:lnTo>
-                    <a:pt x="20147" y="12184"/>
-                  </a:lnTo>
-                  <a:lnTo>
-                    <a:pt x="19942" y="13158"/>
-                  </a:lnTo>
-                  <a:lnTo>
-                    <a:pt x="21070" y="14234"/>
-                  </a:lnTo>
-                  <a:lnTo>
-                    <a:pt x="20608" y="15362"/>
-                  </a:lnTo>
-                  <a:lnTo>
-                    <a:pt x="19019" y="15465"/>
-                  </a:lnTo>
-                  <a:lnTo>
-                    <a:pt x="18404" y="16439"/>
-                  </a:lnTo>
-                  <a:lnTo>
-                    <a:pt x="19122" y="17925"/>
-                  </a:lnTo>
-                  <a:lnTo>
-                    <a:pt x="18096" y="18797"/>
-                  </a:lnTo>
-                  <a:lnTo>
-                    <a:pt x="16763" y="18284"/>
-                  </a:lnTo>
-                  <a:lnTo>
-                    <a:pt x="15431" y="19002"/>
-                  </a:lnTo>
-                  <a:lnTo>
-                    <a:pt x="15277" y="20848"/>
-                  </a:lnTo>
-                  <a:lnTo>
-                    <a:pt x="14149" y="21155"/>
-                  </a:lnTo>
-                  <a:lnTo>
-                    <a:pt x="13021" y="19925"/>
-                  </a:lnTo>
-                  <a:lnTo>
-                    <a:pt x="12252" y="20181"/>
-                  </a:lnTo>
-                  <a:lnTo>
-                    <a:pt x="11739" y="21668"/>
-                  </a:lnTo>
-                  <a:lnTo>
-                    <a:pt x="10201" y="21668"/>
-                  </a:lnTo>
-                  <a:lnTo>
-                    <a:pt x="9740" y="20130"/>
-                  </a:lnTo>
-                  <a:lnTo>
-                    <a:pt x="8253" y="19771"/>
-                  </a:lnTo>
-                  <a:lnTo>
-                    <a:pt x="7125" y="21001"/>
-                  </a:lnTo>
-                  <a:lnTo>
-                    <a:pt x="5895" y="20489"/>
-                  </a:lnTo>
-                  <a:lnTo>
-                    <a:pt x="5946" y="18592"/>
-                  </a:lnTo>
-                  <a:lnTo>
-                    <a:pt x="5177" y="18131"/>
-                  </a:lnTo>
-                  <a:lnTo>
-                    <a:pt x="3383" y="18848"/>
-                  </a:lnTo>
-                  <a:lnTo>
-                    <a:pt x="2614" y="17874"/>
-                  </a:lnTo>
-                  <a:lnTo>
-                    <a:pt x="3383" y="16182"/>
-                  </a:lnTo>
-                  <a:lnTo>
-                    <a:pt x="2922" y="15465"/>
-                  </a:lnTo>
-                  <a:lnTo>
-                    <a:pt x="922" y="15516"/>
-                  </a:lnTo>
-                  <a:lnTo>
-                    <a:pt x="512" y="14234"/>
-                  </a:lnTo>
-                  <a:lnTo>
-                    <a:pt x="1948" y="12901"/>
-                  </a:lnTo>
-                  <a:lnTo>
-                    <a:pt x="1896" y="12184"/>
-                  </a:lnTo>
-                  <a:lnTo>
-                    <a:pt x="0" y="11415"/>
-                  </a:lnTo>
-                  <a:lnTo>
-                    <a:pt x="51" y="10031"/>
-                  </a:lnTo>
-                  <a:lnTo>
-                    <a:pt x="1948" y="9313"/>
-                  </a:lnTo>
-                  <a:lnTo>
-                    <a:pt x="2101" y="8595"/>
-                  </a:lnTo>
-                  <a:lnTo>
-                    <a:pt x="615" y="7160"/>
-                  </a:lnTo>
-                  <a:lnTo>
-                    <a:pt x="1127" y="5878"/>
-                  </a:lnTo>
-                  <a:lnTo>
-                    <a:pt x="3178" y="5981"/>
-                  </a:lnTo>
-                  <a:lnTo>
-                    <a:pt x="3588" y="5417"/>
-                  </a:lnTo>
-                  <a:lnTo>
-                    <a:pt x="2819" y="3520"/>
-                  </a:lnTo>
-                  <a:lnTo>
-                    <a:pt x="3742" y="2597"/>
-                  </a:lnTo>
-                  <a:lnTo>
-                    <a:pt x="5536" y="3417"/>
-                  </a:lnTo>
-                  <a:lnTo>
-                    <a:pt x="6049" y="3058"/>
-                  </a:lnTo>
-                  <a:lnTo>
-                    <a:pt x="6100" y="1264"/>
-                  </a:lnTo>
-                  <a:lnTo>
-                    <a:pt x="7228" y="700"/>
-                  </a:lnTo>
-                  <a:lnTo>
-                    <a:pt x="8510" y="2033"/>
-                  </a:lnTo>
-                  <a:lnTo>
-                    <a:pt x="9689" y="1725"/>
-                  </a:lnTo>
-                  <a:close/>
-                  <a:moveTo>
-                    <a:pt x="10817" y="14422"/>
-                  </a:moveTo>
-                  <a:lnTo>
-                    <a:pt x="11175" y="14388"/>
-                  </a:lnTo>
-                  <a:lnTo>
-                    <a:pt x="11534" y="14354"/>
-                  </a:lnTo>
-                  <a:lnTo>
-                    <a:pt x="11893" y="14268"/>
-                  </a:lnTo>
-                  <a:lnTo>
-                    <a:pt x="12218" y="14166"/>
-                  </a:lnTo>
-                  <a:lnTo>
-                    <a:pt x="12508" y="13995"/>
-                  </a:lnTo>
-                  <a:lnTo>
-                    <a:pt x="12816" y="13807"/>
-                  </a:lnTo>
-                  <a:lnTo>
-                    <a:pt x="13106" y="13602"/>
-                  </a:lnTo>
-                  <a:lnTo>
-                    <a:pt x="13329" y="13380"/>
-                  </a:lnTo>
-                  <a:lnTo>
-                    <a:pt x="13568" y="13106"/>
-                  </a:lnTo>
-                  <a:lnTo>
-                    <a:pt x="13790" y="12850"/>
-                  </a:lnTo>
-                  <a:lnTo>
-                    <a:pt x="13961" y="12560"/>
-                  </a:lnTo>
-                  <a:lnTo>
-                    <a:pt x="14115" y="12269"/>
-                  </a:lnTo>
-                  <a:lnTo>
-                    <a:pt x="14217" y="11927"/>
-                  </a:lnTo>
-                  <a:lnTo>
-                    <a:pt x="14320" y="11568"/>
-                  </a:lnTo>
-                  <a:lnTo>
-                    <a:pt x="14388" y="11210"/>
-                  </a:lnTo>
-                  <a:lnTo>
-                    <a:pt x="14388" y="10851"/>
-                  </a:lnTo>
-                  <a:lnTo>
-                    <a:pt x="14388" y="10492"/>
-                  </a:lnTo>
-                  <a:lnTo>
-                    <a:pt x="14320" y="10133"/>
-                  </a:lnTo>
-                  <a:lnTo>
-                    <a:pt x="14217" y="9808"/>
-                  </a:lnTo>
-                  <a:lnTo>
-                    <a:pt x="14115" y="9467"/>
-                  </a:lnTo>
-                  <a:lnTo>
-                    <a:pt x="13961" y="9142"/>
-                  </a:lnTo>
-                  <a:lnTo>
-                    <a:pt x="13790" y="8851"/>
-                  </a:lnTo>
-                  <a:lnTo>
-                    <a:pt x="13568" y="8595"/>
-                  </a:lnTo>
-                  <a:lnTo>
-                    <a:pt x="13329" y="8322"/>
-                  </a:lnTo>
-                  <a:lnTo>
-                    <a:pt x="13106" y="8100"/>
-                  </a:lnTo>
-                  <a:lnTo>
-                    <a:pt x="12816" y="7894"/>
-                  </a:lnTo>
-                  <a:lnTo>
-                    <a:pt x="12508" y="7741"/>
-                  </a:lnTo>
-                  <a:lnTo>
-                    <a:pt x="12218" y="7570"/>
-                  </a:lnTo>
-                  <a:lnTo>
-                    <a:pt x="11893" y="7433"/>
-                  </a:lnTo>
-                  <a:lnTo>
-                    <a:pt x="11534" y="7382"/>
-                  </a:lnTo>
-                  <a:lnTo>
-                    <a:pt x="11175" y="7313"/>
-                  </a:lnTo>
-                  <a:lnTo>
-                    <a:pt x="10817" y="7313"/>
-                  </a:lnTo>
-                  <a:lnTo>
-                    <a:pt x="10441" y="7313"/>
-                  </a:lnTo>
-                  <a:lnTo>
-                    <a:pt x="10082" y="7382"/>
-                  </a:lnTo>
-                  <a:lnTo>
-                    <a:pt x="9757" y="7433"/>
-                  </a:lnTo>
-                  <a:lnTo>
-                    <a:pt x="9432" y="7570"/>
-                  </a:lnTo>
-                  <a:lnTo>
-                    <a:pt x="9142" y="7741"/>
-                  </a:lnTo>
-                  <a:lnTo>
-                    <a:pt x="8834" y="7894"/>
-                  </a:lnTo>
-                  <a:lnTo>
-                    <a:pt x="8544" y="8100"/>
-                  </a:lnTo>
-                  <a:lnTo>
-                    <a:pt x="8287" y="8322"/>
-                  </a:lnTo>
-                  <a:lnTo>
-                    <a:pt x="8048" y="8595"/>
-                  </a:lnTo>
-                  <a:lnTo>
-                    <a:pt x="7860" y="8851"/>
-                  </a:lnTo>
-                  <a:lnTo>
-                    <a:pt x="7689" y="9142"/>
-                  </a:lnTo>
-                  <a:lnTo>
-                    <a:pt x="7536" y="9467"/>
-                  </a:lnTo>
-                  <a:lnTo>
-                    <a:pt x="7399" y="9808"/>
-                  </a:lnTo>
-                  <a:lnTo>
-                    <a:pt x="7331" y="10133"/>
-                  </a:lnTo>
-                  <a:lnTo>
-                    <a:pt x="7262" y="10492"/>
-                  </a:lnTo>
-                  <a:lnTo>
-                    <a:pt x="7262" y="10851"/>
-                  </a:lnTo>
-                  <a:lnTo>
-                    <a:pt x="7262" y="11210"/>
-                  </a:lnTo>
-                  <a:lnTo>
-                    <a:pt x="7331" y="11568"/>
-                  </a:lnTo>
-                  <a:lnTo>
-                    <a:pt x="7399" y="11927"/>
-                  </a:lnTo>
-                  <a:lnTo>
-                    <a:pt x="7536" y="12269"/>
-                  </a:lnTo>
-                  <a:lnTo>
-                    <a:pt x="7689" y="12560"/>
-                  </a:lnTo>
-                  <a:lnTo>
-                    <a:pt x="7860" y="12850"/>
-                  </a:lnTo>
-                  <a:lnTo>
-                    <a:pt x="8048" y="13106"/>
-                  </a:lnTo>
-                  <a:lnTo>
-                    <a:pt x="8287" y="13380"/>
-                  </a:lnTo>
-                  <a:lnTo>
-                    <a:pt x="8544" y="13602"/>
-                  </a:lnTo>
-                  <a:lnTo>
-                    <a:pt x="8834" y="13807"/>
-                  </a:lnTo>
-                  <a:lnTo>
-                    <a:pt x="9142" y="13995"/>
-                  </a:lnTo>
-                  <a:lnTo>
-                    <a:pt x="9432" y="14166"/>
-                  </a:lnTo>
-                  <a:lnTo>
-                    <a:pt x="9757" y="14268"/>
-                  </a:lnTo>
-                  <a:lnTo>
-                    <a:pt x="10082" y="14354"/>
-                  </a:lnTo>
-                  <a:lnTo>
-                    <a:pt x="10441" y="14388"/>
-                  </a:lnTo>
-                  <a:lnTo>
-                    <a:pt x="10817" y="14422"/>
-                  </a:lnTo>
-                  <a:close/>
-                </a:path>
-              </a:pathLst>
-            </a:custGeom>
-            <a:solidFill>
-              <a:srgbClr val="C0C0C0"/>
-            </a:solidFill>
-            <a:ln w="9525">
-              <a:miter lim="800000"/>
-              <a:headEnd/>
-              <a:tailEnd/>
-            </a:ln>
-            <a:effectLst/>
-            <a:scene3d>
-              <a:camera prst="legacyPerspectiveFront">
-                <a:rot lat="20099999" lon="1500000" rev="0"/>
-              </a:camera>
-              <a:lightRig rig="legacyFlat4" dir="b"/>
-            </a:scene3d>
-            <a:sp3d extrusionH="430200" prstMaterial="legacyMatte">
-              <a:bevelT w="13500" h="13500" prst="angle"/>
-              <a:bevelB w="13500" h="13500" prst="angle"/>
-              <a:extrusionClr>
-                <a:srgbClr val="C0C0C0"/>
-              </a:extrusionClr>
-            </a:sp3d>
-            <a:extLst>
-              <a:ext uri="{AF507438-7753-43E0-B8FC-AC1667EBCBE1}">
-                <a14:hiddenEffects xmlns:a14="http://schemas.microsoft.com/office/drawing/2010/main">
-                  <a:effectLst>
-                    <a:outerShdw dist="35921" dir="2700000" algn="ctr" rotWithShape="0">
-                      <a:srgbClr val="808080"/>
-                    </a:outerShdw>
-                  </a:effectLst>
-                </a14:hiddenEffects>
-              </a:ext>
-            </a:extLst>
-          </p:spPr>
-          <p:txBody>
-            <a:bodyPr vert="horz" wrap="square" lIns="91440" tIns="45720" rIns="91440" bIns="45720" numCol="1" anchor="t" anchorCtr="0" compatLnSpc="1">
-              <a:prstTxWarp prst="textNoShape">
-                <a:avLst/>
-              </a:prstTxWarp>
-              <a:flatTx/>
-            </a:bodyPr>
-            <a:lstStyle/>
-            <a:p>
-              <a:endParaRPr lang="en-US"/>
-            </a:p>
-          </p:txBody>
-        </p:sp>
-        <p:sp>
-          <p:nvSpPr>
-            <p:cNvPr id="7" name="AutoShape 6"/>
-            <p:cNvSpPr>
-              <a:spLocks noEditPoints="1" noChangeArrowheads="1"/>
-            </p:cNvSpPr>
-            <p:nvPr/>
-          </p:nvSpPr>
-          <p:spPr bwMode="auto">
-            <a:xfrm>
-              <a:off x="2559" y="2142"/>
-              <a:ext cx="1588" cy="1392"/>
-            </a:xfrm>
-            <a:custGeom>
-              <a:avLst/>
-              <a:gdLst>
-                <a:gd name="T0" fmla="*/ 10800 w 21600"/>
-                <a:gd name="T1" fmla="*/ 0 h 21600"/>
-                <a:gd name="T2" fmla="*/ 21600 w 21600"/>
-                <a:gd name="T3" fmla="*/ 10800 h 21600"/>
-                <a:gd name="T4" fmla="*/ 10800 w 21600"/>
-                <a:gd name="T5" fmla="*/ 21600 h 21600"/>
-                <a:gd name="T6" fmla="*/ 0 w 21600"/>
-                <a:gd name="T7" fmla="*/ 10800 h 21600"/>
-                <a:gd name="T8" fmla="*/ 4374 w 21600"/>
-                <a:gd name="T9" fmla="*/ 3964 h 21600"/>
-                <a:gd name="T10" fmla="*/ 17841 w 21600"/>
-                <a:gd name="T11" fmla="*/ 17635 h 21600"/>
-              </a:gdLst>
-              <a:ahLst/>
-              <a:cxnLst>
-                <a:cxn ang="0">
-                  <a:pos x="T0" y="T1"/>
-                </a:cxn>
-                <a:cxn ang="0">
-                  <a:pos x="T2" y="T3"/>
-                </a:cxn>
-                <a:cxn ang="0">
-                  <a:pos x="T4" y="T5"/>
-                </a:cxn>
-                <a:cxn ang="0">
-                  <a:pos x="T6" y="T7"/>
-                </a:cxn>
-              </a:cxnLst>
-              <a:rect l="T8" t="T9" r="T10" b="T11"/>
-              <a:pathLst>
-                <a:path w="21600" h="21600">
-                  <a:moveTo>
-                    <a:pt x="9689" y="1725"/>
-                  </a:moveTo>
-                  <a:lnTo>
-                    <a:pt x="10304" y="85"/>
-                  </a:lnTo>
-                  <a:lnTo>
-                    <a:pt x="11637" y="85"/>
-                  </a:lnTo>
-                  <a:lnTo>
-                    <a:pt x="12303" y="1777"/>
-                  </a:lnTo>
-                  <a:lnTo>
-                    <a:pt x="13072" y="1931"/>
-                  </a:lnTo>
-                  <a:lnTo>
-                    <a:pt x="14303" y="598"/>
-                  </a:lnTo>
-                  <a:lnTo>
-                    <a:pt x="15533" y="1110"/>
-                  </a:lnTo>
-                  <a:lnTo>
-                    <a:pt x="15584" y="2905"/>
-                  </a:lnTo>
-                  <a:lnTo>
-                    <a:pt x="16405" y="3520"/>
-                  </a:lnTo>
-                  <a:lnTo>
-                    <a:pt x="17891" y="2751"/>
-                  </a:lnTo>
-                  <a:lnTo>
-                    <a:pt x="18917" y="3674"/>
-                  </a:lnTo>
-                  <a:lnTo>
-                    <a:pt x="18199" y="5314"/>
-                  </a:lnTo>
-                  <a:lnTo>
-                    <a:pt x="18763" y="6083"/>
-                  </a:lnTo>
-                  <a:lnTo>
-                    <a:pt x="20403" y="6032"/>
-                  </a:lnTo>
-                  <a:lnTo>
-                    <a:pt x="20865" y="7211"/>
-                  </a:lnTo>
-                  <a:lnTo>
-                    <a:pt x="19737" y="8185"/>
-                  </a:lnTo>
-                  <a:lnTo>
-                    <a:pt x="20096" y="9723"/>
-                  </a:lnTo>
-                  <a:lnTo>
-                    <a:pt x="21634" y="10287"/>
-                  </a:lnTo>
-                  <a:lnTo>
-                    <a:pt x="21582" y="11620"/>
-                  </a:lnTo>
-                  <a:lnTo>
-                    <a:pt x="20147" y="12184"/>
-                  </a:lnTo>
-                  <a:lnTo>
-                    <a:pt x="19942" y="13158"/>
-                  </a:lnTo>
-                  <a:lnTo>
-                    <a:pt x="21070" y="14234"/>
-                  </a:lnTo>
-                  <a:lnTo>
-                    <a:pt x="20608" y="15362"/>
-                  </a:lnTo>
-                  <a:lnTo>
-                    <a:pt x="19019" y="15465"/>
-                  </a:lnTo>
-                  <a:lnTo>
-                    <a:pt x="18404" y="16439"/>
-                  </a:lnTo>
-                  <a:lnTo>
-                    <a:pt x="19122" y="17925"/>
-                  </a:lnTo>
-                  <a:lnTo>
-                    <a:pt x="18096" y="18797"/>
-                  </a:lnTo>
-                  <a:lnTo>
-                    <a:pt x="16763" y="18284"/>
-                  </a:lnTo>
-                  <a:lnTo>
-                    <a:pt x="15431" y="19002"/>
-                  </a:lnTo>
-                  <a:lnTo>
-                    <a:pt x="15277" y="20848"/>
-                  </a:lnTo>
-                  <a:lnTo>
-                    <a:pt x="14149" y="21155"/>
-                  </a:lnTo>
-                  <a:lnTo>
-                    <a:pt x="13021" y="19925"/>
-                  </a:lnTo>
-                  <a:lnTo>
-                    <a:pt x="12252" y="20181"/>
-                  </a:lnTo>
-                  <a:lnTo>
-                    <a:pt x="11739" y="21668"/>
-                  </a:lnTo>
-                  <a:lnTo>
-                    <a:pt x="10201" y="21668"/>
-                  </a:lnTo>
-                  <a:lnTo>
-                    <a:pt x="9740" y="20130"/>
-                  </a:lnTo>
-                  <a:lnTo>
-                    <a:pt x="8253" y="19771"/>
-                  </a:lnTo>
-                  <a:lnTo>
-                    <a:pt x="7125" y="21001"/>
-                  </a:lnTo>
-                  <a:lnTo>
-                    <a:pt x="5895" y="20489"/>
-                  </a:lnTo>
-                  <a:lnTo>
-                    <a:pt x="5946" y="18592"/>
-                  </a:lnTo>
-                  <a:lnTo>
-                    <a:pt x="5177" y="18131"/>
-                  </a:lnTo>
-                  <a:lnTo>
-                    <a:pt x="3383" y="18848"/>
-                  </a:lnTo>
-                  <a:lnTo>
-                    <a:pt x="2614" y="17874"/>
-                  </a:lnTo>
-                  <a:lnTo>
-                    <a:pt x="3383" y="16182"/>
-                  </a:lnTo>
-                  <a:lnTo>
-                    <a:pt x="2922" y="15465"/>
-                  </a:lnTo>
-                  <a:lnTo>
-                    <a:pt x="922" y="15516"/>
-                  </a:lnTo>
-                  <a:lnTo>
-                    <a:pt x="512" y="14234"/>
-                  </a:lnTo>
-                  <a:lnTo>
-                    <a:pt x="1948" y="12901"/>
-                  </a:lnTo>
-                  <a:lnTo>
-                    <a:pt x="1896" y="12184"/>
-                  </a:lnTo>
-                  <a:lnTo>
-                    <a:pt x="0" y="11415"/>
-                  </a:lnTo>
-                  <a:lnTo>
-                    <a:pt x="51" y="10031"/>
-                  </a:lnTo>
-                  <a:lnTo>
-                    <a:pt x="1948" y="9313"/>
-                  </a:lnTo>
-                  <a:lnTo>
-                    <a:pt x="2101" y="8595"/>
-                  </a:lnTo>
-                  <a:lnTo>
-                    <a:pt x="615" y="7160"/>
-                  </a:lnTo>
-                  <a:lnTo>
-                    <a:pt x="1127" y="5878"/>
-                  </a:lnTo>
-                  <a:lnTo>
-                    <a:pt x="3178" y="5981"/>
-                  </a:lnTo>
-                  <a:lnTo>
-                    <a:pt x="3588" y="5417"/>
-                  </a:lnTo>
-                  <a:lnTo>
-                    <a:pt x="2819" y="3520"/>
-                  </a:lnTo>
-                  <a:lnTo>
-                    <a:pt x="3742" y="2597"/>
-                  </a:lnTo>
-                  <a:lnTo>
-                    <a:pt x="5536" y="3417"/>
-                  </a:lnTo>
-                  <a:lnTo>
-                    <a:pt x="6049" y="3058"/>
-                  </a:lnTo>
-                  <a:lnTo>
-                    <a:pt x="6100" y="1264"/>
-                  </a:lnTo>
-                  <a:lnTo>
-                    <a:pt x="7228" y="700"/>
-                  </a:lnTo>
-                  <a:lnTo>
-                    <a:pt x="8510" y="2033"/>
-                  </a:lnTo>
-                  <a:lnTo>
-                    <a:pt x="9689" y="1725"/>
-                  </a:lnTo>
-                  <a:close/>
-                  <a:moveTo>
-                    <a:pt x="10817" y="14422"/>
-                  </a:moveTo>
-                  <a:lnTo>
-                    <a:pt x="11175" y="14388"/>
-                  </a:lnTo>
-                  <a:lnTo>
-                    <a:pt x="11534" y="14354"/>
-                  </a:lnTo>
-                  <a:lnTo>
-                    <a:pt x="11893" y="14268"/>
-                  </a:lnTo>
-                  <a:lnTo>
-                    <a:pt x="12218" y="14166"/>
-                  </a:lnTo>
-                  <a:lnTo>
-                    <a:pt x="12508" y="13995"/>
-                  </a:lnTo>
-                  <a:lnTo>
-                    <a:pt x="12816" y="13807"/>
-                  </a:lnTo>
-                  <a:lnTo>
-                    <a:pt x="13106" y="13602"/>
-                  </a:lnTo>
-                  <a:lnTo>
-                    <a:pt x="13329" y="13380"/>
-                  </a:lnTo>
-                  <a:lnTo>
-                    <a:pt x="13568" y="13106"/>
-                  </a:lnTo>
-                  <a:lnTo>
-                    <a:pt x="13790" y="12850"/>
-                  </a:lnTo>
-                  <a:lnTo>
-                    <a:pt x="13961" y="12560"/>
-                  </a:lnTo>
-                  <a:lnTo>
-                    <a:pt x="14115" y="12269"/>
-                  </a:lnTo>
-                  <a:lnTo>
-                    <a:pt x="14217" y="11927"/>
-                  </a:lnTo>
-                  <a:lnTo>
-                    <a:pt x="14320" y="11568"/>
-                  </a:lnTo>
-                  <a:lnTo>
-                    <a:pt x="14388" y="11210"/>
-                  </a:lnTo>
-                  <a:lnTo>
-                    <a:pt x="14388" y="10851"/>
-                  </a:lnTo>
-                  <a:lnTo>
-                    <a:pt x="14388" y="10492"/>
-                  </a:lnTo>
-                  <a:lnTo>
-                    <a:pt x="14320" y="10133"/>
-                  </a:lnTo>
-                  <a:lnTo>
-                    <a:pt x="14217" y="9808"/>
-                  </a:lnTo>
-                  <a:lnTo>
-                    <a:pt x="14115" y="9467"/>
-                  </a:lnTo>
-                  <a:lnTo>
-                    <a:pt x="13961" y="9142"/>
-                  </a:lnTo>
-                  <a:lnTo>
-                    <a:pt x="13790" y="8851"/>
-                  </a:lnTo>
-                  <a:lnTo>
-                    <a:pt x="13568" y="8595"/>
-                  </a:lnTo>
-                  <a:lnTo>
-                    <a:pt x="13329" y="8322"/>
-                  </a:lnTo>
-                  <a:lnTo>
-                    <a:pt x="13106" y="8100"/>
-                  </a:lnTo>
-                  <a:lnTo>
-                    <a:pt x="12816" y="7894"/>
-                  </a:lnTo>
-                  <a:lnTo>
-                    <a:pt x="12508" y="7741"/>
-                  </a:lnTo>
-                  <a:lnTo>
-                    <a:pt x="12218" y="7570"/>
-                  </a:lnTo>
-                  <a:lnTo>
-                    <a:pt x="11893" y="7433"/>
-                  </a:lnTo>
-                  <a:lnTo>
-                    <a:pt x="11534" y="7382"/>
-                  </a:lnTo>
-                  <a:lnTo>
-                    <a:pt x="11175" y="7313"/>
-                  </a:lnTo>
-                  <a:lnTo>
-                    <a:pt x="10817" y="7313"/>
-                  </a:lnTo>
-                  <a:lnTo>
-                    <a:pt x="10441" y="7313"/>
-                  </a:lnTo>
-                  <a:lnTo>
-                    <a:pt x="10082" y="7382"/>
-                  </a:lnTo>
-                  <a:lnTo>
-                    <a:pt x="9757" y="7433"/>
-                  </a:lnTo>
-                  <a:lnTo>
-                    <a:pt x="9432" y="7570"/>
-                  </a:lnTo>
-                  <a:lnTo>
-                    <a:pt x="9142" y="7741"/>
-                  </a:lnTo>
-                  <a:lnTo>
-                    <a:pt x="8834" y="7894"/>
-                  </a:lnTo>
-                  <a:lnTo>
-                    <a:pt x="8544" y="8100"/>
-                  </a:lnTo>
-                  <a:lnTo>
-                    <a:pt x="8287" y="8322"/>
-                  </a:lnTo>
-                  <a:lnTo>
-                    <a:pt x="8048" y="8595"/>
-                  </a:lnTo>
-                  <a:lnTo>
-                    <a:pt x="7860" y="8851"/>
-                  </a:lnTo>
-                  <a:lnTo>
-                    <a:pt x="7689" y="9142"/>
-                  </a:lnTo>
-                  <a:lnTo>
-                    <a:pt x="7536" y="9467"/>
-                  </a:lnTo>
-                  <a:lnTo>
-                    <a:pt x="7399" y="9808"/>
-                  </a:lnTo>
-                  <a:lnTo>
-                    <a:pt x="7331" y="10133"/>
-                  </a:lnTo>
-                  <a:lnTo>
-                    <a:pt x="7262" y="10492"/>
-                  </a:lnTo>
-                  <a:lnTo>
-                    <a:pt x="7262" y="10851"/>
-                  </a:lnTo>
-                  <a:lnTo>
-                    <a:pt x="7262" y="11210"/>
-                  </a:lnTo>
-                  <a:lnTo>
-                    <a:pt x="7331" y="11568"/>
-                  </a:lnTo>
-                  <a:lnTo>
-                    <a:pt x="7399" y="11927"/>
-                  </a:lnTo>
-                  <a:lnTo>
-                    <a:pt x="7536" y="12269"/>
-                  </a:lnTo>
-                  <a:lnTo>
-                    <a:pt x="7689" y="12560"/>
-                  </a:lnTo>
-                  <a:lnTo>
-                    <a:pt x="7860" y="12850"/>
-                  </a:lnTo>
-                  <a:lnTo>
-                    <a:pt x="8048" y="13106"/>
-                  </a:lnTo>
-                  <a:lnTo>
-                    <a:pt x="8287" y="13380"/>
-                  </a:lnTo>
-                  <a:lnTo>
-                    <a:pt x="8544" y="13602"/>
-                  </a:lnTo>
-                  <a:lnTo>
-                    <a:pt x="8834" y="13807"/>
-                  </a:lnTo>
-                  <a:lnTo>
-                    <a:pt x="9142" y="13995"/>
-                  </a:lnTo>
-                  <a:lnTo>
-                    <a:pt x="9432" y="14166"/>
-                  </a:lnTo>
-                  <a:lnTo>
-                    <a:pt x="9757" y="14268"/>
-                  </a:lnTo>
-                  <a:lnTo>
-                    <a:pt x="10082" y="14354"/>
-                  </a:lnTo>
-                  <a:lnTo>
-                    <a:pt x="10441" y="14388"/>
-                  </a:lnTo>
-                  <a:lnTo>
-                    <a:pt x="10817" y="14422"/>
-                  </a:lnTo>
-                  <a:close/>
-                </a:path>
-              </a:pathLst>
-            </a:custGeom>
-            <a:solidFill>
-              <a:srgbClr val="C0C0C0"/>
-            </a:solidFill>
-            <a:ln w="9525">
-              <a:miter lim="800000"/>
-              <a:headEnd/>
-              <a:tailEnd/>
-            </a:ln>
-            <a:effectLst/>
-            <a:scene3d>
-              <a:camera prst="legacyPerspectiveFront">
-                <a:rot lat="20099999" lon="1500000" rev="0"/>
-              </a:camera>
-              <a:lightRig rig="legacyFlat4" dir="b"/>
-            </a:scene3d>
-            <a:sp3d extrusionH="430200" prstMaterial="legacyMatte">
-              <a:bevelT w="13500" h="13500" prst="angle"/>
-              <a:bevelB w="13500" h="13500" prst="angle"/>
-              <a:extrusionClr>
-                <a:srgbClr val="C0C0C0"/>
-              </a:extrusionClr>
-            </a:sp3d>
-            <a:extLst>
-              <a:ext uri="{AF507438-7753-43E0-B8FC-AC1667EBCBE1}">
-                <a14:hiddenEffects xmlns:a14="http://schemas.microsoft.com/office/drawing/2010/main">
-                  <a:effectLst>
-                    <a:outerShdw dist="35921" dir="2700000" algn="ctr" rotWithShape="0">
-                      <a:srgbClr val="808080"/>
-                    </a:outerShdw>
-                  </a:effectLst>
-                </a14:hiddenEffects>
-              </a:ext>
-            </a:extLst>
-          </p:spPr>
-          <p:txBody>
-            <a:bodyPr vert="horz" wrap="square" lIns="91440" tIns="45720" rIns="91440" bIns="45720" numCol="1" anchor="t" anchorCtr="0" compatLnSpc="1">
-              <a:prstTxWarp prst="textNoShape">
-                <a:avLst/>
-              </a:prstTxWarp>
-              <a:flatTx/>
-            </a:bodyPr>
-            <a:lstStyle/>
-            <a:p>
-              <a:endParaRPr lang="en-US"/>
-            </a:p>
-          </p:txBody>
-        </p:sp>
-      </p:grpSp>
-      <p:pic>
-        <p:nvPicPr>
-          <p:cNvPr id="3080" name="Picture 8" descr="https://encrypted-tbn3.gstatic.com/images?q=tbn:ANd9GcS5-TACv-C7TMCcW7sA42KizPKVnSQpSyA568HIVikANrYEMXo0"/>
-          <p:cNvPicPr>
-            <a:picLocks noChangeAspect="1" noChangeArrowheads="1"/>
-          </p:cNvPicPr>
-          <p:nvPr/>
-        </p:nvPicPr>
-        <p:blipFill>
-          <a:blip r:embed="rId3">
-            <a:extLst>
-              <a:ext uri="{28A0092B-C50C-407E-A947-70E740481C1C}">
-                <a14:useLocalDpi xmlns:a14="http://schemas.microsoft.com/office/drawing/2010/main" val="0"/>
-              </a:ext>
-            </a:extLst>
-          </a:blip>
-          <a:srcRect/>
-          <a:stretch>
-            <a:fillRect/>
-          </a:stretch>
-        </p:blipFill>
-        <p:spPr bwMode="auto">
-          <a:xfrm>
-            <a:off x="2604655" y="3005829"/>
-            <a:ext cx="1384544" cy="1233292"/>
-          </a:xfrm>
-          <a:prstGeom prst="rect">
-            <a:avLst/>
-          </a:prstGeom>
-          <a:noFill/>
-          <a:extLst>
-            <a:ext uri="{909E8E84-426E-40DD-AFC4-6F175D3DCCD1}">
-              <a14:hiddenFill xmlns:a14="http://schemas.microsoft.com/office/drawing/2010/main">
-                <a:solidFill>
-                  <a:srgbClr val="FFFFFF"/>
-                </a:solidFill>
-              </a14:hiddenFill>
-            </a:ext>
-          </a:extLst>
-        </p:spPr>
-      </p:pic>
-    </p:spTree>
-    <p:extLst>
-      <p:ext uri="{BB962C8B-B14F-4D97-AF65-F5344CB8AC3E}">
-        <p14:creationId xmlns:p14="http://schemas.microsoft.com/office/powerpoint/2010/main" val="774175955"/>
       </p:ext>
     </p:extLst>
   </p:cSld>
@@ -12024,6 +10470,1630 @@
       </p:grpSpPr>
       <p:sp>
         <p:nvSpPr>
+          <p:cNvPr id="2" name="Title 1"/>
+          <p:cNvSpPr>
+            <a:spLocks noGrp="1"/>
+          </p:cNvSpPr>
+          <p:nvPr>
+            <p:ph type="title"/>
+          </p:nvPr>
+        </p:nvSpPr>
+        <p:spPr>
+          <a:xfrm>
+            <a:off x="927261" y="1294374"/>
+            <a:ext cx="8636000" cy="1513417"/>
+          </a:xfrm>
+        </p:spPr>
+        <p:txBody>
+          <a:bodyPr/>
+          <a:lstStyle/>
+          <a:p>
+            <a:r>
+              <a:rPr lang="en-US" dirty="0" smtClean="0"/>
+              <a:t>MODEL VIEW CONTROLLER - MVC</a:t>
+            </a:r>
+            <a:endParaRPr lang="en-US" dirty="0"/>
+          </a:p>
+        </p:txBody>
+      </p:sp>
+      <p:pic>
+        <p:nvPicPr>
+          <p:cNvPr id="3074" name="Picture 2" descr="C:\Program Files\Microsoft Office\MEDIA\CAGCAT10\j0292020.wmf"/>
+          <p:cNvPicPr>
+            <a:picLocks noChangeAspect="1" noChangeArrowheads="1"/>
+          </p:cNvPicPr>
+          <p:nvPr/>
+        </p:nvPicPr>
+        <p:blipFill>
+          <a:blip r:embed="rId2">
+            <a:extLst>
+              <a:ext uri="{28A0092B-C50C-407E-A947-70E740481C1C}">
+                <a14:useLocalDpi xmlns:a14="http://schemas.microsoft.com/office/drawing/2010/main" val="0"/>
+              </a:ext>
+            </a:extLst>
+          </a:blip>
+          <a:srcRect/>
+          <a:stretch>
+            <a:fillRect/>
+          </a:stretch>
+        </p:blipFill>
+        <p:spPr bwMode="auto">
+          <a:xfrm>
+            <a:off x="534989" y="3187700"/>
+            <a:ext cx="1312670" cy="1245755"/>
+          </a:xfrm>
+          <a:prstGeom prst="rect">
+            <a:avLst/>
+          </a:prstGeom>
+          <a:noFill/>
+          <a:extLst>
+            <a:ext uri="{909E8E84-426E-40DD-AFC4-6F175D3DCCD1}">
+              <a14:hiddenFill xmlns:a14="http://schemas.microsoft.com/office/drawing/2010/main">
+                <a:solidFill>
+                  <a:srgbClr val="FFFFFF"/>
+                </a:solidFill>
+              </a14:hiddenFill>
+            </a:ext>
+          </a:extLst>
+        </p:spPr>
+      </p:pic>
+      <p:grpSp>
+        <p:nvGrpSpPr>
+          <p:cNvPr id="4" name="Group 3"/>
+          <p:cNvGrpSpPr>
+            <a:grpSpLocks/>
+          </p:cNvGrpSpPr>
+          <p:nvPr/>
+        </p:nvGrpSpPr>
+        <p:grpSpPr bwMode="auto">
+          <a:xfrm>
+            <a:off x="5877358" y="2469851"/>
+            <a:ext cx="810098" cy="1178882"/>
+            <a:chOff x="1632" y="1248"/>
+            <a:chExt cx="2682" cy="2286"/>
+          </a:xfrm>
+        </p:grpSpPr>
+        <p:sp>
+          <p:nvSpPr>
+            <p:cNvPr id="5" name="Gear"/>
+            <p:cNvSpPr>
+              <a:spLocks noEditPoints="1" noChangeArrowheads="1"/>
+            </p:cNvSpPr>
+            <p:nvPr/>
+          </p:nvSpPr>
+          <p:spPr bwMode="auto">
+            <a:xfrm>
+              <a:off x="3119" y="1248"/>
+              <a:ext cx="1195" cy="1048"/>
+            </a:xfrm>
+            <a:custGeom>
+              <a:avLst/>
+              <a:gdLst>
+                <a:gd name="T0" fmla="*/ 10800 w 21600"/>
+                <a:gd name="T1" fmla="*/ 0 h 21600"/>
+                <a:gd name="T2" fmla="*/ 21600 w 21600"/>
+                <a:gd name="T3" fmla="*/ 10800 h 21600"/>
+                <a:gd name="T4" fmla="*/ 10800 w 21600"/>
+                <a:gd name="T5" fmla="*/ 21600 h 21600"/>
+                <a:gd name="T6" fmla="*/ 0 w 21600"/>
+                <a:gd name="T7" fmla="*/ 10800 h 21600"/>
+                <a:gd name="T8" fmla="*/ 4374 w 21600"/>
+                <a:gd name="T9" fmla="*/ 3964 h 21600"/>
+                <a:gd name="T10" fmla="*/ 17841 w 21600"/>
+                <a:gd name="T11" fmla="*/ 17635 h 21600"/>
+              </a:gdLst>
+              <a:ahLst/>
+              <a:cxnLst>
+                <a:cxn ang="0">
+                  <a:pos x="T0" y="T1"/>
+                </a:cxn>
+                <a:cxn ang="0">
+                  <a:pos x="T2" y="T3"/>
+                </a:cxn>
+                <a:cxn ang="0">
+                  <a:pos x="T4" y="T5"/>
+                </a:cxn>
+                <a:cxn ang="0">
+                  <a:pos x="T6" y="T7"/>
+                </a:cxn>
+              </a:cxnLst>
+              <a:rect l="T8" t="T9" r="T10" b="T11"/>
+              <a:pathLst>
+                <a:path w="21600" h="21600">
+                  <a:moveTo>
+                    <a:pt x="9689" y="1725"/>
+                  </a:moveTo>
+                  <a:lnTo>
+                    <a:pt x="10304" y="85"/>
+                  </a:lnTo>
+                  <a:lnTo>
+                    <a:pt x="11637" y="85"/>
+                  </a:lnTo>
+                  <a:lnTo>
+                    <a:pt x="12303" y="1777"/>
+                  </a:lnTo>
+                  <a:lnTo>
+                    <a:pt x="13072" y="1931"/>
+                  </a:lnTo>
+                  <a:lnTo>
+                    <a:pt x="14303" y="598"/>
+                  </a:lnTo>
+                  <a:lnTo>
+                    <a:pt x="15533" y="1110"/>
+                  </a:lnTo>
+                  <a:lnTo>
+                    <a:pt x="15584" y="2905"/>
+                  </a:lnTo>
+                  <a:lnTo>
+                    <a:pt x="16405" y="3520"/>
+                  </a:lnTo>
+                  <a:lnTo>
+                    <a:pt x="17891" y="2751"/>
+                  </a:lnTo>
+                  <a:lnTo>
+                    <a:pt x="18917" y="3674"/>
+                  </a:lnTo>
+                  <a:lnTo>
+                    <a:pt x="18199" y="5314"/>
+                  </a:lnTo>
+                  <a:lnTo>
+                    <a:pt x="18763" y="6083"/>
+                  </a:lnTo>
+                  <a:lnTo>
+                    <a:pt x="20403" y="6032"/>
+                  </a:lnTo>
+                  <a:lnTo>
+                    <a:pt x="20865" y="7211"/>
+                  </a:lnTo>
+                  <a:lnTo>
+                    <a:pt x="19737" y="8185"/>
+                  </a:lnTo>
+                  <a:lnTo>
+                    <a:pt x="20096" y="9723"/>
+                  </a:lnTo>
+                  <a:lnTo>
+                    <a:pt x="21634" y="10287"/>
+                  </a:lnTo>
+                  <a:lnTo>
+                    <a:pt x="21582" y="11620"/>
+                  </a:lnTo>
+                  <a:lnTo>
+                    <a:pt x="20147" y="12184"/>
+                  </a:lnTo>
+                  <a:lnTo>
+                    <a:pt x="19942" y="13158"/>
+                  </a:lnTo>
+                  <a:lnTo>
+                    <a:pt x="21070" y="14234"/>
+                  </a:lnTo>
+                  <a:lnTo>
+                    <a:pt x="20608" y="15362"/>
+                  </a:lnTo>
+                  <a:lnTo>
+                    <a:pt x="19019" y="15465"/>
+                  </a:lnTo>
+                  <a:lnTo>
+                    <a:pt x="18404" y="16439"/>
+                  </a:lnTo>
+                  <a:lnTo>
+                    <a:pt x="19122" y="17925"/>
+                  </a:lnTo>
+                  <a:lnTo>
+                    <a:pt x="18096" y="18797"/>
+                  </a:lnTo>
+                  <a:lnTo>
+                    <a:pt x="16763" y="18284"/>
+                  </a:lnTo>
+                  <a:lnTo>
+                    <a:pt x="15431" y="19002"/>
+                  </a:lnTo>
+                  <a:lnTo>
+                    <a:pt x="15277" y="20848"/>
+                  </a:lnTo>
+                  <a:lnTo>
+                    <a:pt x="14149" y="21155"/>
+                  </a:lnTo>
+                  <a:lnTo>
+                    <a:pt x="13021" y="19925"/>
+                  </a:lnTo>
+                  <a:lnTo>
+                    <a:pt x="12252" y="20181"/>
+                  </a:lnTo>
+                  <a:lnTo>
+                    <a:pt x="11739" y="21668"/>
+                  </a:lnTo>
+                  <a:lnTo>
+                    <a:pt x="10201" y="21668"/>
+                  </a:lnTo>
+                  <a:lnTo>
+                    <a:pt x="9740" y="20130"/>
+                  </a:lnTo>
+                  <a:lnTo>
+                    <a:pt x="8253" y="19771"/>
+                  </a:lnTo>
+                  <a:lnTo>
+                    <a:pt x="7125" y="21001"/>
+                  </a:lnTo>
+                  <a:lnTo>
+                    <a:pt x="5895" y="20489"/>
+                  </a:lnTo>
+                  <a:lnTo>
+                    <a:pt x="5946" y="18592"/>
+                  </a:lnTo>
+                  <a:lnTo>
+                    <a:pt x="5177" y="18131"/>
+                  </a:lnTo>
+                  <a:lnTo>
+                    <a:pt x="3383" y="18848"/>
+                  </a:lnTo>
+                  <a:lnTo>
+                    <a:pt x="2614" y="17874"/>
+                  </a:lnTo>
+                  <a:lnTo>
+                    <a:pt x="3383" y="16182"/>
+                  </a:lnTo>
+                  <a:lnTo>
+                    <a:pt x="2922" y="15465"/>
+                  </a:lnTo>
+                  <a:lnTo>
+                    <a:pt x="922" y="15516"/>
+                  </a:lnTo>
+                  <a:lnTo>
+                    <a:pt x="512" y="14234"/>
+                  </a:lnTo>
+                  <a:lnTo>
+                    <a:pt x="1948" y="12901"/>
+                  </a:lnTo>
+                  <a:lnTo>
+                    <a:pt x="1896" y="12184"/>
+                  </a:lnTo>
+                  <a:lnTo>
+                    <a:pt x="0" y="11415"/>
+                  </a:lnTo>
+                  <a:lnTo>
+                    <a:pt x="51" y="10031"/>
+                  </a:lnTo>
+                  <a:lnTo>
+                    <a:pt x="1948" y="9313"/>
+                  </a:lnTo>
+                  <a:lnTo>
+                    <a:pt x="2101" y="8595"/>
+                  </a:lnTo>
+                  <a:lnTo>
+                    <a:pt x="615" y="7160"/>
+                  </a:lnTo>
+                  <a:lnTo>
+                    <a:pt x="1127" y="5878"/>
+                  </a:lnTo>
+                  <a:lnTo>
+                    <a:pt x="3178" y="5981"/>
+                  </a:lnTo>
+                  <a:lnTo>
+                    <a:pt x="3588" y="5417"/>
+                  </a:lnTo>
+                  <a:lnTo>
+                    <a:pt x="2819" y="3520"/>
+                  </a:lnTo>
+                  <a:lnTo>
+                    <a:pt x="3742" y="2597"/>
+                  </a:lnTo>
+                  <a:lnTo>
+                    <a:pt x="5536" y="3417"/>
+                  </a:lnTo>
+                  <a:lnTo>
+                    <a:pt x="6049" y="3058"/>
+                  </a:lnTo>
+                  <a:lnTo>
+                    <a:pt x="6100" y="1264"/>
+                  </a:lnTo>
+                  <a:lnTo>
+                    <a:pt x="7228" y="700"/>
+                  </a:lnTo>
+                  <a:lnTo>
+                    <a:pt x="8510" y="2033"/>
+                  </a:lnTo>
+                  <a:lnTo>
+                    <a:pt x="9689" y="1725"/>
+                  </a:lnTo>
+                  <a:close/>
+                  <a:moveTo>
+                    <a:pt x="10817" y="14422"/>
+                  </a:moveTo>
+                  <a:lnTo>
+                    <a:pt x="11175" y="14388"/>
+                  </a:lnTo>
+                  <a:lnTo>
+                    <a:pt x="11534" y="14354"/>
+                  </a:lnTo>
+                  <a:lnTo>
+                    <a:pt x="11893" y="14268"/>
+                  </a:lnTo>
+                  <a:lnTo>
+                    <a:pt x="12218" y="14166"/>
+                  </a:lnTo>
+                  <a:lnTo>
+                    <a:pt x="12508" y="13995"/>
+                  </a:lnTo>
+                  <a:lnTo>
+                    <a:pt x="12816" y="13807"/>
+                  </a:lnTo>
+                  <a:lnTo>
+                    <a:pt x="13106" y="13602"/>
+                  </a:lnTo>
+                  <a:lnTo>
+                    <a:pt x="13329" y="13380"/>
+                  </a:lnTo>
+                  <a:lnTo>
+                    <a:pt x="13568" y="13106"/>
+                  </a:lnTo>
+                  <a:lnTo>
+                    <a:pt x="13790" y="12850"/>
+                  </a:lnTo>
+                  <a:lnTo>
+                    <a:pt x="13961" y="12560"/>
+                  </a:lnTo>
+                  <a:lnTo>
+                    <a:pt x="14115" y="12269"/>
+                  </a:lnTo>
+                  <a:lnTo>
+                    <a:pt x="14217" y="11927"/>
+                  </a:lnTo>
+                  <a:lnTo>
+                    <a:pt x="14320" y="11568"/>
+                  </a:lnTo>
+                  <a:lnTo>
+                    <a:pt x="14388" y="11210"/>
+                  </a:lnTo>
+                  <a:lnTo>
+                    <a:pt x="14388" y="10851"/>
+                  </a:lnTo>
+                  <a:lnTo>
+                    <a:pt x="14388" y="10492"/>
+                  </a:lnTo>
+                  <a:lnTo>
+                    <a:pt x="14320" y="10133"/>
+                  </a:lnTo>
+                  <a:lnTo>
+                    <a:pt x="14217" y="9808"/>
+                  </a:lnTo>
+                  <a:lnTo>
+                    <a:pt x="14115" y="9467"/>
+                  </a:lnTo>
+                  <a:lnTo>
+                    <a:pt x="13961" y="9142"/>
+                  </a:lnTo>
+                  <a:lnTo>
+                    <a:pt x="13790" y="8851"/>
+                  </a:lnTo>
+                  <a:lnTo>
+                    <a:pt x="13568" y="8595"/>
+                  </a:lnTo>
+                  <a:lnTo>
+                    <a:pt x="13329" y="8322"/>
+                  </a:lnTo>
+                  <a:lnTo>
+                    <a:pt x="13106" y="8100"/>
+                  </a:lnTo>
+                  <a:lnTo>
+                    <a:pt x="12816" y="7894"/>
+                  </a:lnTo>
+                  <a:lnTo>
+                    <a:pt x="12508" y="7741"/>
+                  </a:lnTo>
+                  <a:lnTo>
+                    <a:pt x="12218" y="7570"/>
+                  </a:lnTo>
+                  <a:lnTo>
+                    <a:pt x="11893" y="7433"/>
+                  </a:lnTo>
+                  <a:lnTo>
+                    <a:pt x="11534" y="7382"/>
+                  </a:lnTo>
+                  <a:lnTo>
+                    <a:pt x="11175" y="7313"/>
+                  </a:lnTo>
+                  <a:lnTo>
+                    <a:pt x="10817" y="7313"/>
+                  </a:lnTo>
+                  <a:lnTo>
+                    <a:pt x="10441" y="7313"/>
+                  </a:lnTo>
+                  <a:lnTo>
+                    <a:pt x="10082" y="7382"/>
+                  </a:lnTo>
+                  <a:lnTo>
+                    <a:pt x="9757" y="7433"/>
+                  </a:lnTo>
+                  <a:lnTo>
+                    <a:pt x="9432" y="7570"/>
+                  </a:lnTo>
+                  <a:lnTo>
+                    <a:pt x="9142" y="7741"/>
+                  </a:lnTo>
+                  <a:lnTo>
+                    <a:pt x="8834" y="7894"/>
+                  </a:lnTo>
+                  <a:lnTo>
+                    <a:pt x="8544" y="8100"/>
+                  </a:lnTo>
+                  <a:lnTo>
+                    <a:pt x="8287" y="8322"/>
+                  </a:lnTo>
+                  <a:lnTo>
+                    <a:pt x="8048" y="8595"/>
+                  </a:lnTo>
+                  <a:lnTo>
+                    <a:pt x="7860" y="8851"/>
+                  </a:lnTo>
+                  <a:lnTo>
+                    <a:pt x="7689" y="9142"/>
+                  </a:lnTo>
+                  <a:lnTo>
+                    <a:pt x="7536" y="9467"/>
+                  </a:lnTo>
+                  <a:lnTo>
+                    <a:pt x="7399" y="9808"/>
+                  </a:lnTo>
+                  <a:lnTo>
+                    <a:pt x="7331" y="10133"/>
+                  </a:lnTo>
+                  <a:lnTo>
+                    <a:pt x="7262" y="10492"/>
+                  </a:lnTo>
+                  <a:lnTo>
+                    <a:pt x="7262" y="10851"/>
+                  </a:lnTo>
+                  <a:lnTo>
+                    <a:pt x="7262" y="11210"/>
+                  </a:lnTo>
+                  <a:lnTo>
+                    <a:pt x="7331" y="11568"/>
+                  </a:lnTo>
+                  <a:lnTo>
+                    <a:pt x="7399" y="11927"/>
+                  </a:lnTo>
+                  <a:lnTo>
+                    <a:pt x="7536" y="12269"/>
+                  </a:lnTo>
+                  <a:lnTo>
+                    <a:pt x="7689" y="12560"/>
+                  </a:lnTo>
+                  <a:lnTo>
+                    <a:pt x="7860" y="12850"/>
+                  </a:lnTo>
+                  <a:lnTo>
+                    <a:pt x="8048" y="13106"/>
+                  </a:lnTo>
+                  <a:lnTo>
+                    <a:pt x="8287" y="13380"/>
+                  </a:lnTo>
+                  <a:lnTo>
+                    <a:pt x="8544" y="13602"/>
+                  </a:lnTo>
+                  <a:lnTo>
+                    <a:pt x="8834" y="13807"/>
+                  </a:lnTo>
+                  <a:lnTo>
+                    <a:pt x="9142" y="13995"/>
+                  </a:lnTo>
+                  <a:lnTo>
+                    <a:pt x="9432" y="14166"/>
+                  </a:lnTo>
+                  <a:lnTo>
+                    <a:pt x="9757" y="14268"/>
+                  </a:lnTo>
+                  <a:lnTo>
+                    <a:pt x="10082" y="14354"/>
+                  </a:lnTo>
+                  <a:lnTo>
+                    <a:pt x="10441" y="14388"/>
+                  </a:lnTo>
+                  <a:lnTo>
+                    <a:pt x="10817" y="14422"/>
+                  </a:lnTo>
+                  <a:close/>
+                </a:path>
+              </a:pathLst>
+            </a:custGeom>
+            <a:solidFill>
+              <a:srgbClr val="C0C0C0"/>
+            </a:solidFill>
+            <a:ln w="9525">
+              <a:miter lim="800000"/>
+              <a:headEnd/>
+              <a:tailEnd/>
+            </a:ln>
+            <a:effectLst/>
+            <a:scene3d>
+              <a:camera prst="legacyPerspectiveFront">
+                <a:rot lat="20099999" lon="1500000" rev="0"/>
+              </a:camera>
+              <a:lightRig rig="legacyFlat4" dir="b"/>
+            </a:scene3d>
+            <a:sp3d extrusionH="430200" prstMaterial="legacyMatte">
+              <a:bevelT w="13500" h="13500" prst="angle"/>
+              <a:bevelB w="13500" h="13500" prst="angle"/>
+              <a:extrusionClr>
+                <a:srgbClr val="C0C0C0"/>
+              </a:extrusionClr>
+            </a:sp3d>
+            <a:extLst>
+              <a:ext uri="{AF507438-7753-43E0-B8FC-AC1667EBCBE1}">
+                <a14:hiddenEffects xmlns:a14="http://schemas.microsoft.com/office/drawing/2010/main">
+                  <a:effectLst>
+                    <a:outerShdw dist="35921" dir="2700000" algn="ctr" rotWithShape="0">
+                      <a:srgbClr val="808080"/>
+                    </a:outerShdw>
+                  </a:effectLst>
+                </a14:hiddenEffects>
+              </a:ext>
+            </a:extLst>
+          </p:spPr>
+          <p:txBody>
+            <a:bodyPr vert="horz" wrap="square" lIns="91440" tIns="45720" rIns="91440" bIns="45720" numCol="1" anchor="t" anchorCtr="0" compatLnSpc="1">
+              <a:prstTxWarp prst="textNoShape">
+                <a:avLst/>
+              </a:prstTxWarp>
+              <a:flatTx/>
+            </a:bodyPr>
+            <a:lstStyle/>
+            <a:p>
+              <a:endParaRPr lang="en-US"/>
+            </a:p>
+          </p:txBody>
+        </p:sp>
+        <p:sp>
+          <p:nvSpPr>
+            <p:cNvPr id="6" name="AutoShape 5"/>
+            <p:cNvSpPr>
+              <a:spLocks noEditPoints="1" noChangeArrowheads="1"/>
+            </p:cNvSpPr>
+            <p:nvPr/>
+          </p:nvSpPr>
+          <p:spPr bwMode="auto">
+            <a:xfrm>
+              <a:off x="1632" y="1680"/>
+              <a:ext cx="1429" cy="1253"/>
+            </a:xfrm>
+            <a:custGeom>
+              <a:avLst/>
+              <a:gdLst>
+                <a:gd name="T0" fmla="*/ 10800 w 21600"/>
+                <a:gd name="T1" fmla="*/ 0 h 21600"/>
+                <a:gd name="T2" fmla="*/ 21600 w 21600"/>
+                <a:gd name="T3" fmla="*/ 10800 h 21600"/>
+                <a:gd name="T4" fmla="*/ 10800 w 21600"/>
+                <a:gd name="T5" fmla="*/ 21600 h 21600"/>
+                <a:gd name="T6" fmla="*/ 0 w 21600"/>
+                <a:gd name="T7" fmla="*/ 10800 h 21600"/>
+                <a:gd name="T8" fmla="*/ 4374 w 21600"/>
+                <a:gd name="T9" fmla="*/ 3964 h 21600"/>
+                <a:gd name="T10" fmla="*/ 17841 w 21600"/>
+                <a:gd name="T11" fmla="*/ 17635 h 21600"/>
+              </a:gdLst>
+              <a:ahLst/>
+              <a:cxnLst>
+                <a:cxn ang="0">
+                  <a:pos x="T0" y="T1"/>
+                </a:cxn>
+                <a:cxn ang="0">
+                  <a:pos x="T2" y="T3"/>
+                </a:cxn>
+                <a:cxn ang="0">
+                  <a:pos x="T4" y="T5"/>
+                </a:cxn>
+                <a:cxn ang="0">
+                  <a:pos x="T6" y="T7"/>
+                </a:cxn>
+              </a:cxnLst>
+              <a:rect l="T8" t="T9" r="T10" b="T11"/>
+              <a:pathLst>
+                <a:path w="21600" h="21600">
+                  <a:moveTo>
+                    <a:pt x="9689" y="1725"/>
+                  </a:moveTo>
+                  <a:lnTo>
+                    <a:pt x="10304" y="85"/>
+                  </a:lnTo>
+                  <a:lnTo>
+                    <a:pt x="11637" y="85"/>
+                  </a:lnTo>
+                  <a:lnTo>
+                    <a:pt x="12303" y="1777"/>
+                  </a:lnTo>
+                  <a:lnTo>
+                    <a:pt x="13072" y="1931"/>
+                  </a:lnTo>
+                  <a:lnTo>
+                    <a:pt x="14303" y="598"/>
+                  </a:lnTo>
+                  <a:lnTo>
+                    <a:pt x="15533" y="1110"/>
+                  </a:lnTo>
+                  <a:lnTo>
+                    <a:pt x="15584" y="2905"/>
+                  </a:lnTo>
+                  <a:lnTo>
+                    <a:pt x="16405" y="3520"/>
+                  </a:lnTo>
+                  <a:lnTo>
+                    <a:pt x="17891" y="2751"/>
+                  </a:lnTo>
+                  <a:lnTo>
+                    <a:pt x="18917" y="3674"/>
+                  </a:lnTo>
+                  <a:lnTo>
+                    <a:pt x="18199" y="5314"/>
+                  </a:lnTo>
+                  <a:lnTo>
+                    <a:pt x="18763" y="6083"/>
+                  </a:lnTo>
+                  <a:lnTo>
+                    <a:pt x="20403" y="6032"/>
+                  </a:lnTo>
+                  <a:lnTo>
+                    <a:pt x="20865" y="7211"/>
+                  </a:lnTo>
+                  <a:lnTo>
+                    <a:pt x="19737" y="8185"/>
+                  </a:lnTo>
+                  <a:lnTo>
+                    <a:pt x="20096" y="9723"/>
+                  </a:lnTo>
+                  <a:lnTo>
+                    <a:pt x="21634" y="10287"/>
+                  </a:lnTo>
+                  <a:lnTo>
+                    <a:pt x="21582" y="11620"/>
+                  </a:lnTo>
+                  <a:lnTo>
+                    <a:pt x="20147" y="12184"/>
+                  </a:lnTo>
+                  <a:lnTo>
+                    <a:pt x="19942" y="13158"/>
+                  </a:lnTo>
+                  <a:lnTo>
+                    <a:pt x="21070" y="14234"/>
+                  </a:lnTo>
+                  <a:lnTo>
+                    <a:pt x="20608" y="15362"/>
+                  </a:lnTo>
+                  <a:lnTo>
+                    <a:pt x="19019" y="15465"/>
+                  </a:lnTo>
+                  <a:lnTo>
+                    <a:pt x="18404" y="16439"/>
+                  </a:lnTo>
+                  <a:lnTo>
+                    <a:pt x="19122" y="17925"/>
+                  </a:lnTo>
+                  <a:lnTo>
+                    <a:pt x="18096" y="18797"/>
+                  </a:lnTo>
+                  <a:lnTo>
+                    <a:pt x="16763" y="18284"/>
+                  </a:lnTo>
+                  <a:lnTo>
+                    <a:pt x="15431" y="19002"/>
+                  </a:lnTo>
+                  <a:lnTo>
+                    <a:pt x="15277" y="20848"/>
+                  </a:lnTo>
+                  <a:lnTo>
+                    <a:pt x="14149" y="21155"/>
+                  </a:lnTo>
+                  <a:lnTo>
+                    <a:pt x="13021" y="19925"/>
+                  </a:lnTo>
+                  <a:lnTo>
+                    <a:pt x="12252" y="20181"/>
+                  </a:lnTo>
+                  <a:lnTo>
+                    <a:pt x="11739" y="21668"/>
+                  </a:lnTo>
+                  <a:lnTo>
+                    <a:pt x="10201" y="21668"/>
+                  </a:lnTo>
+                  <a:lnTo>
+                    <a:pt x="9740" y="20130"/>
+                  </a:lnTo>
+                  <a:lnTo>
+                    <a:pt x="8253" y="19771"/>
+                  </a:lnTo>
+                  <a:lnTo>
+                    <a:pt x="7125" y="21001"/>
+                  </a:lnTo>
+                  <a:lnTo>
+                    <a:pt x="5895" y="20489"/>
+                  </a:lnTo>
+                  <a:lnTo>
+                    <a:pt x="5946" y="18592"/>
+                  </a:lnTo>
+                  <a:lnTo>
+                    <a:pt x="5177" y="18131"/>
+                  </a:lnTo>
+                  <a:lnTo>
+                    <a:pt x="3383" y="18848"/>
+                  </a:lnTo>
+                  <a:lnTo>
+                    <a:pt x="2614" y="17874"/>
+                  </a:lnTo>
+                  <a:lnTo>
+                    <a:pt x="3383" y="16182"/>
+                  </a:lnTo>
+                  <a:lnTo>
+                    <a:pt x="2922" y="15465"/>
+                  </a:lnTo>
+                  <a:lnTo>
+                    <a:pt x="922" y="15516"/>
+                  </a:lnTo>
+                  <a:lnTo>
+                    <a:pt x="512" y="14234"/>
+                  </a:lnTo>
+                  <a:lnTo>
+                    <a:pt x="1948" y="12901"/>
+                  </a:lnTo>
+                  <a:lnTo>
+                    <a:pt x="1896" y="12184"/>
+                  </a:lnTo>
+                  <a:lnTo>
+                    <a:pt x="0" y="11415"/>
+                  </a:lnTo>
+                  <a:lnTo>
+                    <a:pt x="51" y="10031"/>
+                  </a:lnTo>
+                  <a:lnTo>
+                    <a:pt x="1948" y="9313"/>
+                  </a:lnTo>
+                  <a:lnTo>
+                    <a:pt x="2101" y="8595"/>
+                  </a:lnTo>
+                  <a:lnTo>
+                    <a:pt x="615" y="7160"/>
+                  </a:lnTo>
+                  <a:lnTo>
+                    <a:pt x="1127" y="5878"/>
+                  </a:lnTo>
+                  <a:lnTo>
+                    <a:pt x="3178" y="5981"/>
+                  </a:lnTo>
+                  <a:lnTo>
+                    <a:pt x="3588" y="5417"/>
+                  </a:lnTo>
+                  <a:lnTo>
+                    <a:pt x="2819" y="3520"/>
+                  </a:lnTo>
+                  <a:lnTo>
+                    <a:pt x="3742" y="2597"/>
+                  </a:lnTo>
+                  <a:lnTo>
+                    <a:pt x="5536" y="3417"/>
+                  </a:lnTo>
+                  <a:lnTo>
+                    <a:pt x="6049" y="3058"/>
+                  </a:lnTo>
+                  <a:lnTo>
+                    <a:pt x="6100" y="1264"/>
+                  </a:lnTo>
+                  <a:lnTo>
+                    <a:pt x="7228" y="700"/>
+                  </a:lnTo>
+                  <a:lnTo>
+                    <a:pt x="8510" y="2033"/>
+                  </a:lnTo>
+                  <a:lnTo>
+                    <a:pt x="9689" y="1725"/>
+                  </a:lnTo>
+                  <a:close/>
+                  <a:moveTo>
+                    <a:pt x="10817" y="14422"/>
+                  </a:moveTo>
+                  <a:lnTo>
+                    <a:pt x="11175" y="14388"/>
+                  </a:lnTo>
+                  <a:lnTo>
+                    <a:pt x="11534" y="14354"/>
+                  </a:lnTo>
+                  <a:lnTo>
+                    <a:pt x="11893" y="14268"/>
+                  </a:lnTo>
+                  <a:lnTo>
+                    <a:pt x="12218" y="14166"/>
+                  </a:lnTo>
+                  <a:lnTo>
+                    <a:pt x="12508" y="13995"/>
+                  </a:lnTo>
+                  <a:lnTo>
+                    <a:pt x="12816" y="13807"/>
+                  </a:lnTo>
+                  <a:lnTo>
+                    <a:pt x="13106" y="13602"/>
+                  </a:lnTo>
+                  <a:lnTo>
+                    <a:pt x="13329" y="13380"/>
+                  </a:lnTo>
+                  <a:lnTo>
+                    <a:pt x="13568" y="13106"/>
+                  </a:lnTo>
+                  <a:lnTo>
+                    <a:pt x="13790" y="12850"/>
+                  </a:lnTo>
+                  <a:lnTo>
+                    <a:pt x="13961" y="12560"/>
+                  </a:lnTo>
+                  <a:lnTo>
+                    <a:pt x="14115" y="12269"/>
+                  </a:lnTo>
+                  <a:lnTo>
+                    <a:pt x="14217" y="11927"/>
+                  </a:lnTo>
+                  <a:lnTo>
+                    <a:pt x="14320" y="11568"/>
+                  </a:lnTo>
+                  <a:lnTo>
+                    <a:pt x="14388" y="11210"/>
+                  </a:lnTo>
+                  <a:lnTo>
+                    <a:pt x="14388" y="10851"/>
+                  </a:lnTo>
+                  <a:lnTo>
+                    <a:pt x="14388" y="10492"/>
+                  </a:lnTo>
+                  <a:lnTo>
+                    <a:pt x="14320" y="10133"/>
+                  </a:lnTo>
+                  <a:lnTo>
+                    <a:pt x="14217" y="9808"/>
+                  </a:lnTo>
+                  <a:lnTo>
+                    <a:pt x="14115" y="9467"/>
+                  </a:lnTo>
+                  <a:lnTo>
+                    <a:pt x="13961" y="9142"/>
+                  </a:lnTo>
+                  <a:lnTo>
+                    <a:pt x="13790" y="8851"/>
+                  </a:lnTo>
+                  <a:lnTo>
+                    <a:pt x="13568" y="8595"/>
+                  </a:lnTo>
+                  <a:lnTo>
+                    <a:pt x="13329" y="8322"/>
+                  </a:lnTo>
+                  <a:lnTo>
+                    <a:pt x="13106" y="8100"/>
+                  </a:lnTo>
+                  <a:lnTo>
+                    <a:pt x="12816" y="7894"/>
+                  </a:lnTo>
+                  <a:lnTo>
+                    <a:pt x="12508" y="7741"/>
+                  </a:lnTo>
+                  <a:lnTo>
+                    <a:pt x="12218" y="7570"/>
+                  </a:lnTo>
+                  <a:lnTo>
+                    <a:pt x="11893" y="7433"/>
+                  </a:lnTo>
+                  <a:lnTo>
+                    <a:pt x="11534" y="7382"/>
+                  </a:lnTo>
+                  <a:lnTo>
+                    <a:pt x="11175" y="7313"/>
+                  </a:lnTo>
+                  <a:lnTo>
+                    <a:pt x="10817" y="7313"/>
+                  </a:lnTo>
+                  <a:lnTo>
+                    <a:pt x="10441" y="7313"/>
+                  </a:lnTo>
+                  <a:lnTo>
+                    <a:pt x="10082" y="7382"/>
+                  </a:lnTo>
+                  <a:lnTo>
+                    <a:pt x="9757" y="7433"/>
+                  </a:lnTo>
+                  <a:lnTo>
+                    <a:pt x="9432" y="7570"/>
+                  </a:lnTo>
+                  <a:lnTo>
+                    <a:pt x="9142" y="7741"/>
+                  </a:lnTo>
+                  <a:lnTo>
+                    <a:pt x="8834" y="7894"/>
+                  </a:lnTo>
+                  <a:lnTo>
+                    <a:pt x="8544" y="8100"/>
+                  </a:lnTo>
+                  <a:lnTo>
+                    <a:pt x="8287" y="8322"/>
+                  </a:lnTo>
+                  <a:lnTo>
+                    <a:pt x="8048" y="8595"/>
+                  </a:lnTo>
+                  <a:lnTo>
+                    <a:pt x="7860" y="8851"/>
+                  </a:lnTo>
+                  <a:lnTo>
+                    <a:pt x="7689" y="9142"/>
+                  </a:lnTo>
+                  <a:lnTo>
+                    <a:pt x="7536" y="9467"/>
+                  </a:lnTo>
+                  <a:lnTo>
+                    <a:pt x="7399" y="9808"/>
+                  </a:lnTo>
+                  <a:lnTo>
+                    <a:pt x="7331" y="10133"/>
+                  </a:lnTo>
+                  <a:lnTo>
+                    <a:pt x="7262" y="10492"/>
+                  </a:lnTo>
+                  <a:lnTo>
+                    <a:pt x="7262" y="10851"/>
+                  </a:lnTo>
+                  <a:lnTo>
+                    <a:pt x="7262" y="11210"/>
+                  </a:lnTo>
+                  <a:lnTo>
+                    <a:pt x="7331" y="11568"/>
+                  </a:lnTo>
+                  <a:lnTo>
+                    <a:pt x="7399" y="11927"/>
+                  </a:lnTo>
+                  <a:lnTo>
+                    <a:pt x="7536" y="12269"/>
+                  </a:lnTo>
+                  <a:lnTo>
+                    <a:pt x="7689" y="12560"/>
+                  </a:lnTo>
+                  <a:lnTo>
+                    <a:pt x="7860" y="12850"/>
+                  </a:lnTo>
+                  <a:lnTo>
+                    <a:pt x="8048" y="13106"/>
+                  </a:lnTo>
+                  <a:lnTo>
+                    <a:pt x="8287" y="13380"/>
+                  </a:lnTo>
+                  <a:lnTo>
+                    <a:pt x="8544" y="13602"/>
+                  </a:lnTo>
+                  <a:lnTo>
+                    <a:pt x="8834" y="13807"/>
+                  </a:lnTo>
+                  <a:lnTo>
+                    <a:pt x="9142" y="13995"/>
+                  </a:lnTo>
+                  <a:lnTo>
+                    <a:pt x="9432" y="14166"/>
+                  </a:lnTo>
+                  <a:lnTo>
+                    <a:pt x="9757" y="14268"/>
+                  </a:lnTo>
+                  <a:lnTo>
+                    <a:pt x="10082" y="14354"/>
+                  </a:lnTo>
+                  <a:lnTo>
+                    <a:pt x="10441" y="14388"/>
+                  </a:lnTo>
+                  <a:lnTo>
+                    <a:pt x="10817" y="14422"/>
+                  </a:lnTo>
+                  <a:close/>
+                </a:path>
+              </a:pathLst>
+            </a:custGeom>
+            <a:solidFill>
+              <a:srgbClr val="C0C0C0"/>
+            </a:solidFill>
+            <a:ln w="9525">
+              <a:miter lim="800000"/>
+              <a:headEnd/>
+              <a:tailEnd/>
+            </a:ln>
+            <a:effectLst/>
+            <a:scene3d>
+              <a:camera prst="legacyPerspectiveFront">
+                <a:rot lat="20099999" lon="1500000" rev="0"/>
+              </a:camera>
+              <a:lightRig rig="legacyFlat4" dir="b"/>
+            </a:scene3d>
+            <a:sp3d extrusionH="430200" prstMaterial="legacyMatte">
+              <a:bevelT w="13500" h="13500" prst="angle"/>
+              <a:bevelB w="13500" h="13500" prst="angle"/>
+              <a:extrusionClr>
+                <a:srgbClr val="C0C0C0"/>
+              </a:extrusionClr>
+            </a:sp3d>
+            <a:extLst>
+              <a:ext uri="{AF507438-7753-43E0-B8FC-AC1667EBCBE1}">
+                <a14:hiddenEffects xmlns:a14="http://schemas.microsoft.com/office/drawing/2010/main">
+                  <a:effectLst>
+                    <a:outerShdw dist="35921" dir="2700000" algn="ctr" rotWithShape="0">
+                      <a:srgbClr val="808080"/>
+                    </a:outerShdw>
+                  </a:effectLst>
+                </a14:hiddenEffects>
+              </a:ext>
+            </a:extLst>
+          </p:spPr>
+          <p:txBody>
+            <a:bodyPr vert="horz" wrap="square" lIns="91440" tIns="45720" rIns="91440" bIns="45720" numCol="1" anchor="t" anchorCtr="0" compatLnSpc="1">
+              <a:prstTxWarp prst="textNoShape">
+                <a:avLst/>
+              </a:prstTxWarp>
+              <a:flatTx/>
+            </a:bodyPr>
+            <a:lstStyle/>
+            <a:p>
+              <a:endParaRPr lang="en-US"/>
+            </a:p>
+          </p:txBody>
+        </p:sp>
+        <p:sp>
+          <p:nvSpPr>
+            <p:cNvPr id="7" name="AutoShape 6"/>
+            <p:cNvSpPr>
+              <a:spLocks noEditPoints="1" noChangeArrowheads="1"/>
+            </p:cNvSpPr>
+            <p:nvPr/>
+          </p:nvSpPr>
+          <p:spPr bwMode="auto">
+            <a:xfrm>
+              <a:off x="2559" y="2142"/>
+              <a:ext cx="1588" cy="1392"/>
+            </a:xfrm>
+            <a:custGeom>
+              <a:avLst/>
+              <a:gdLst>
+                <a:gd name="T0" fmla="*/ 10800 w 21600"/>
+                <a:gd name="T1" fmla="*/ 0 h 21600"/>
+                <a:gd name="T2" fmla="*/ 21600 w 21600"/>
+                <a:gd name="T3" fmla="*/ 10800 h 21600"/>
+                <a:gd name="T4" fmla="*/ 10800 w 21600"/>
+                <a:gd name="T5" fmla="*/ 21600 h 21600"/>
+                <a:gd name="T6" fmla="*/ 0 w 21600"/>
+                <a:gd name="T7" fmla="*/ 10800 h 21600"/>
+                <a:gd name="T8" fmla="*/ 4374 w 21600"/>
+                <a:gd name="T9" fmla="*/ 3964 h 21600"/>
+                <a:gd name="T10" fmla="*/ 17841 w 21600"/>
+                <a:gd name="T11" fmla="*/ 17635 h 21600"/>
+              </a:gdLst>
+              <a:ahLst/>
+              <a:cxnLst>
+                <a:cxn ang="0">
+                  <a:pos x="T0" y="T1"/>
+                </a:cxn>
+                <a:cxn ang="0">
+                  <a:pos x="T2" y="T3"/>
+                </a:cxn>
+                <a:cxn ang="0">
+                  <a:pos x="T4" y="T5"/>
+                </a:cxn>
+                <a:cxn ang="0">
+                  <a:pos x="T6" y="T7"/>
+                </a:cxn>
+              </a:cxnLst>
+              <a:rect l="T8" t="T9" r="T10" b="T11"/>
+              <a:pathLst>
+                <a:path w="21600" h="21600">
+                  <a:moveTo>
+                    <a:pt x="9689" y="1725"/>
+                  </a:moveTo>
+                  <a:lnTo>
+                    <a:pt x="10304" y="85"/>
+                  </a:lnTo>
+                  <a:lnTo>
+                    <a:pt x="11637" y="85"/>
+                  </a:lnTo>
+                  <a:lnTo>
+                    <a:pt x="12303" y="1777"/>
+                  </a:lnTo>
+                  <a:lnTo>
+                    <a:pt x="13072" y="1931"/>
+                  </a:lnTo>
+                  <a:lnTo>
+                    <a:pt x="14303" y="598"/>
+                  </a:lnTo>
+                  <a:lnTo>
+                    <a:pt x="15533" y="1110"/>
+                  </a:lnTo>
+                  <a:lnTo>
+                    <a:pt x="15584" y="2905"/>
+                  </a:lnTo>
+                  <a:lnTo>
+                    <a:pt x="16405" y="3520"/>
+                  </a:lnTo>
+                  <a:lnTo>
+                    <a:pt x="17891" y="2751"/>
+                  </a:lnTo>
+                  <a:lnTo>
+                    <a:pt x="18917" y="3674"/>
+                  </a:lnTo>
+                  <a:lnTo>
+                    <a:pt x="18199" y="5314"/>
+                  </a:lnTo>
+                  <a:lnTo>
+                    <a:pt x="18763" y="6083"/>
+                  </a:lnTo>
+                  <a:lnTo>
+                    <a:pt x="20403" y="6032"/>
+                  </a:lnTo>
+                  <a:lnTo>
+                    <a:pt x="20865" y="7211"/>
+                  </a:lnTo>
+                  <a:lnTo>
+                    <a:pt x="19737" y="8185"/>
+                  </a:lnTo>
+                  <a:lnTo>
+                    <a:pt x="20096" y="9723"/>
+                  </a:lnTo>
+                  <a:lnTo>
+                    <a:pt x="21634" y="10287"/>
+                  </a:lnTo>
+                  <a:lnTo>
+                    <a:pt x="21582" y="11620"/>
+                  </a:lnTo>
+                  <a:lnTo>
+                    <a:pt x="20147" y="12184"/>
+                  </a:lnTo>
+                  <a:lnTo>
+                    <a:pt x="19942" y="13158"/>
+                  </a:lnTo>
+                  <a:lnTo>
+                    <a:pt x="21070" y="14234"/>
+                  </a:lnTo>
+                  <a:lnTo>
+                    <a:pt x="20608" y="15362"/>
+                  </a:lnTo>
+                  <a:lnTo>
+                    <a:pt x="19019" y="15465"/>
+                  </a:lnTo>
+                  <a:lnTo>
+                    <a:pt x="18404" y="16439"/>
+                  </a:lnTo>
+                  <a:lnTo>
+                    <a:pt x="19122" y="17925"/>
+                  </a:lnTo>
+                  <a:lnTo>
+                    <a:pt x="18096" y="18797"/>
+                  </a:lnTo>
+                  <a:lnTo>
+                    <a:pt x="16763" y="18284"/>
+                  </a:lnTo>
+                  <a:lnTo>
+                    <a:pt x="15431" y="19002"/>
+                  </a:lnTo>
+                  <a:lnTo>
+                    <a:pt x="15277" y="20848"/>
+                  </a:lnTo>
+                  <a:lnTo>
+                    <a:pt x="14149" y="21155"/>
+                  </a:lnTo>
+                  <a:lnTo>
+                    <a:pt x="13021" y="19925"/>
+                  </a:lnTo>
+                  <a:lnTo>
+                    <a:pt x="12252" y="20181"/>
+                  </a:lnTo>
+                  <a:lnTo>
+                    <a:pt x="11739" y="21668"/>
+                  </a:lnTo>
+                  <a:lnTo>
+                    <a:pt x="10201" y="21668"/>
+                  </a:lnTo>
+                  <a:lnTo>
+                    <a:pt x="9740" y="20130"/>
+                  </a:lnTo>
+                  <a:lnTo>
+                    <a:pt x="8253" y="19771"/>
+                  </a:lnTo>
+                  <a:lnTo>
+                    <a:pt x="7125" y="21001"/>
+                  </a:lnTo>
+                  <a:lnTo>
+                    <a:pt x="5895" y="20489"/>
+                  </a:lnTo>
+                  <a:lnTo>
+                    <a:pt x="5946" y="18592"/>
+                  </a:lnTo>
+                  <a:lnTo>
+                    <a:pt x="5177" y="18131"/>
+                  </a:lnTo>
+                  <a:lnTo>
+                    <a:pt x="3383" y="18848"/>
+                  </a:lnTo>
+                  <a:lnTo>
+                    <a:pt x="2614" y="17874"/>
+                  </a:lnTo>
+                  <a:lnTo>
+                    <a:pt x="3383" y="16182"/>
+                  </a:lnTo>
+                  <a:lnTo>
+                    <a:pt x="2922" y="15465"/>
+                  </a:lnTo>
+                  <a:lnTo>
+                    <a:pt x="922" y="15516"/>
+                  </a:lnTo>
+                  <a:lnTo>
+                    <a:pt x="512" y="14234"/>
+                  </a:lnTo>
+                  <a:lnTo>
+                    <a:pt x="1948" y="12901"/>
+                  </a:lnTo>
+                  <a:lnTo>
+                    <a:pt x="1896" y="12184"/>
+                  </a:lnTo>
+                  <a:lnTo>
+                    <a:pt x="0" y="11415"/>
+                  </a:lnTo>
+                  <a:lnTo>
+                    <a:pt x="51" y="10031"/>
+                  </a:lnTo>
+                  <a:lnTo>
+                    <a:pt x="1948" y="9313"/>
+                  </a:lnTo>
+                  <a:lnTo>
+                    <a:pt x="2101" y="8595"/>
+                  </a:lnTo>
+                  <a:lnTo>
+                    <a:pt x="615" y="7160"/>
+                  </a:lnTo>
+                  <a:lnTo>
+                    <a:pt x="1127" y="5878"/>
+                  </a:lnTo>
+                  <a:lnTo>
+                    <a:pt x="3178" y="5981"/>
+                  </a:lnTo>
+                  <a:lnTo>
+                    <a:pt x="3588" y="5417"/>
+                  </a:lnTo>
+                  <a:lnTo>
+                    <a:pt x="2819" y="3520"/>
+                  </a:lnTo>
+                  <a:lnTo>
+                    <a:pt x="3742" y="2597"/>
+                  </a:lnTo>
+                  <a:lnTo>
+                    <a:pt x="5536" y="3417"/>
+                  </a:lnTo>
+                  <a:lnTo>
+                    <a:pt x="6049" y="3058"/>
+                  </a:lnTo>
+                  <a:lnTo>
+                    <a:pt x="6100" y="1264"/>
+                  </a:lnTo>
+                  <a:lnTo>
+                    <a:pt x="7228" y="700"/>
+                  </a:lnTo>
+                  <a:lnTo>
+                    <a:pt x="8510" y="2033"/>
+                  </a:lnTo>
+                  <a:lnTo>
+                    <a:pt x="9689" y="1725"/>
+                  </a:lnTo>
+                  <a:close/>
+                  <a:moveTo>
+                    <a:pt x="10817" y="14422"/>
+                  </a:moveTo>
+                  <a:lnTo>
+                    <a:pt x="11175" y="14388"/>
+                  </a:lnTo>
+                  <a:lnTo>
+                    <a:pt x="11534" y="14354"/>
+                  </a:lnTo>
+                  <a:lnTo>
+                    <a:pt x="11893" y="14268"/>
+                  </a:lnTo>
+                  <a:lnTo>
+                    <a:pt x="12218" y="14166"/>
+                  </a:lnTo>
+                  <a:lnTo>
+                    <a:pt x="12508" y="13995"/>
+                  </a:lnTo>
+                  <a:lnTo>
+                    <a:pt x="12816" y="13807"/>
+                  </a:lnTo>
+                  <a:lnTo>
+                    <a:pt x="13106" y="13602"/>
+                  </a:lnTo>
+                  <a:lnTo>
+                    <a:pt x="13329" y="13380"/>
+                  </a:lnTo>
+                  <a:lnTo>
+                    <a:pt x="13568" y="13106"/>
+                  </a:lnTo>
+                  <a:lnTo>
+                    <a:pt x="13790" y="12850"/>
+                  </a:lnTo>
+                  <a:lnTo>
+                    <a:pt x="13961" y="12560"/>
+                  </a:lnTo>
+                  <a:lnTo>
+                    <a:pt x="14115" y="12269"/>
+                  </a:lnTo>
+                  <a:lnTo>
+                    <a:pt x="14217" y="11927"/>
+                  </a:lnTo>
+                  <a:lnTo>
+                    <a:pt x="14320" y="11568"/>
+                  </a:lnTo>
+                  <a:lnTo>
+                    <a:pt x="14388" y="11210"/>
+                  </a:lnTo>
+                  <a:lnTo>
+                    <a:pt x="14388" y="10851"/>
+                  </a:lnTo>
+                  <a:lnTo>
+                    <a:pt x="14388" y="10492"/>
+                  </a:lnTo>
+                  <a:lnTo>
+                    <a:pt x="14320" y="10133"/>
+                  </a:lnTo>
+                  <a:lnTo>
+                    <a:pt x="14217" y="9808"/>
+                  </a:lnTo>
+                  <a:lnTo>
+                    <a:pt x="14115" y="9467"/>
+                  </a:lnTo>
+                  <a:lnTo>
+                    <a:pt x="13961" y="9142"/>
+                  </a:lnTo>
+                  <a:lnTo>
+                    <a:pt x="13790" y="8851"/>
+                  </a:lnTo>
+                  <a:lnTo>
+                    <a:pt x="13568" y="8595"/>
+                  </a:lnTo>
+                  <a:lnTo>
+                    <a:pt x="13329" y="8322"/>
+                  </a:lnTo>
+                  <a:lnTo>
+                    <a:pt x="13106" y="8100"/>
+                  </a:lnTo>
+                  <a:lnTo>
+                    <a:pt x="12816" y="7894"/>
+                  </a:lnTo>
+                  <a:lnTo>
+                    <a:pt x="12508" y="7741"/>
+                  </a:lnTo>
+                  <a:lnTo>
+                    <a:pt x="12218" y="7570"/>
+                  </a:lnTo>
+                  <a:lnTo>
+                    <a:pt x="11893" y="7433"/>
+                  </a:lnTo>
+                  <a:lnTo>
+                    <a:pt x="11534" y="7382"/>
+                  </a:lnTo>
+                  <a:lnTo>
+                    <a:pt x="11175" y="7313"/>
+                  </a:lnTo>
+                  <a:lnTo>
+                    <a:pt x="10817" y="7313"/>
+                  </a:lnTo>
+                  <a:lnTo>
+                    <a:pt x="10441" y="7313"/>
+                  </a:lnTo>
+                  <a:lnTo>
+                    <a:pt x="10082" y="7382"/>
+                  </a:lnTo>
+                  <a:lnTo>
+                    <a:pt x="9757" y="7433"/>
+                  </a:lnTo>
+                  <a:lnTo>
+                    <a:pt x="9432" y="7570"/>
+                  </a:lnTo>
+                  <a:lnTo>
+                    <a:pt x="9142" y="7741"/>
+                  </a:lnTo>
+                  <a:lnTo>
+                    <a:pt x="8834" y="7894"/>
+                  </a:lnTo>
+                  <a:lnTo>
+                    <a:pt x="8544" y="8100"/>
+                  </a:lnTo>
+                  <a:lnTo>
+                    <a:pt x="8287" y="8322"/>
+                  </a:lnTo>
+                  <a:lnTo>
+                    <a:pt x="8048" y="8595"/>
+                  </a:lnTo>
+                  <a:lnTo>
+                    <a:pt x="7860" y="8851"/>
+                  </a:lnTo>
+                  <a:lnTo>
+                    <a:pt x="7689" y="9142"/>
+                  </a:lnTo>
+                  <a:lnTo>
+                    <a:pt x="7536" y="9467"/>
+                  </a:lnTo>
+                  <a:lnTo>
+                    <a:pt x="7399" y="9808"/>
+                  </a:lnTo>
+                  <a:lnTo>
+                    <a:pt x="7331" y="10133"/>
+                  </a:lnTo>
+                  <a:lnTo>
+                    <a:pt x="7262" y="10492"/>
+                  </a:lnTo>
+                  <a:lnTo>
+                    <a:pt x="7262" y="10851"/>
+                  </a:lnTo>
+                  <a:lnTo>
+                    <a:pt x="7262" y="11210"/>
+                  </a:lnTo>
+                  <a:lnTo>
+                    <a:pt x="7331" y="11568"/>
+                  </a:lnTo>
+                  <a:lnTo>
+                    <a:pt x="7399" y="11927"/>
+                  </a:lnTo>
+                  <a:lnTo>
+                    <a:pt x="7536" y="12269"/>
+                  </a:lnTo>
+                  <a:lnTo>
+                    <a:pt x="7689" y="12560"/>
+                  </a:lnTo>
+                  <a:lnTo>
+                    <a:pt x="7860" y="12850"/>
+                  </a:lnTo>
+                  <a:lnTo>
+                    <a:pt x="8048" y="13106"/>
+                  </a:lnTo>
+                  <a:lnTo>
+                    <a:pt x="8287" y="13380"/>
+                  </a:lnTo>
+                  <a:lnTo>
+                    <a:pt x="8544" y="13602"/>
+                  </a:lnTo>
+                  <a:lnTo>
+                    <a:pt x="8834" y="13807"/>
+                  </a:lnTo>
+                  <a:lnTo>
+                    <a:pt x="9142" y="13995"/>
+                  </a:lnTo>
+                  <a:lnTo>
+                    <a:pt x="9432" y="14166"/>
+                  </a:lnTo>
+                  <a:lnTo>
+                    <a:pt x="9757" y="14268"/>
+                  </a:lnTo>
+                  <a:lnTo>
+                    <a:pt x="10082" y="14354"/>
+                  </a:lnTo>
+                  <a:lnTo>
+                    <a:pt x="10441" y="14388"/>
+                  </a:lnTo>
+                  <a:lnTo>
+                    <a:pt x="10817" y="14422"/>
+                  </a:lnTo>
+                  <a:close/>
+                </a:path>
+              </a:pathLst>
+            </a:custGeom>
+            <a:solidFill>
+              <a:srgbClr val="C0C0C0"/>
+            </a:solidFill>
+            <a:ln w="9525">
+              <a:miter lim="800000"/>
+              <a:headEnd/>
+              <a:tailEnd/>
+            </a:ln>
+            <a:effectLst/>
+            <a:scene3d>
+              <a:camera prst="legacyPerspectiveFront">
+                <a:rot lat="20099999" lon="1500000" rev="0"/>
+              </a:camera>
+              <a:lightRig rig="legacyFlat4" dir="b"/>
+            </a:scene3d>
+            <a:sp3d extrusionH="430200" prstMaterial="legacyMatte">
+              <a:bevelT w="13500" h="13500" prst="angle"/>
+              <a:bevelB w="13500" h="13500" prst="angle"/>
+              <a:extrusionClr>
+                <a:srgbClr val="C0C0C0"/>
+              </a:extrusionClr>
+            </a:sp3d>
+            <a:extLst>
+              <a:ext uri="{AF507438-7753-43E0-B8FC-AC1667EBCBE1}">
+                <a14:hiddenEffects xmlns:a14="http://schemas.microsoft.com/office/drawing/2010/main">
+                  <a:effectLst>
+                    <a:outerShdw dist="35921" dir="2700000" algn="ctr" rotWithShape="0">
+                      <a:srgbClr val="808080"/>
+                    </a:outerShdw>
+                  </a:effectLst>
+                </a14:hiddenEffects>
+              </a:ext>
+            </a:extLst>
+          </p:spPr>
+          <p:txBody>
+            <a:bodyPr vert="horz" wrap="square" lIns="91440" tIns="45720" rIns="91440" bIns="45720" numCol="1" anchor="t" anchorCtr="0" compatLnSpc="1">
+              <a:prstTxWarp prst="textNoShape">
+                <a:avLst/>
+              </a:prstTxWarp>
+              <a:flatTx/>
+            </a:bodyPr>
+            <a:lstStyle/>
+            <a:p>
+              <a:endParaRPr lang="en-US"/>
+            </a:p>
+          </p:txBody>
+        </p:sp>
+      </p:grpSp>
+      <p:pic>
+        <p:nvPicPr>
+          <p:cNvPr id="3080" name="Picture 8" descr="https://encrypted-tbn3.gstatic.com/images?q=tbn:ANd9GcS5-TACv-C7TMCcW7sA42KizPKVnSQpSyA568HIVikANrYEMXo0"/>
+          <p:cNvPicPr>
+            <a:picLocks noChangeAspect="1" noChangeArrowheads="1"/>
+          </p:cNvPicPr>
+          <p:nvPr/>
+        </p:nvPicPr>
+        <p:blipFill>
+          <a:blip r:embed="rId3">
+            <a:extLst>
+              <a:ext uri="{28A0092B-C50C-407E-A947-70E740481C1C}">
+                <a14:useLocalDpi xmlns:a14="http://schemas.microsoft.com/office/drawing/2010/main" val="0"/>
+              </a:ext>
+            </a:extLst>
+          </a:blip>
+          <a:srcRect/>
+          <a:stretch>
+            <a:fillRect/>
+          </a:stretch>
+        </p:blipFill>
+        <p:spPr bwMode="auto">
+          <a:xfrm>
+            <a:off x="2604655" y="3005829"/>
+            <a:ext cx="1384544" cy="1233292"/>
+          </a:xfrm>
+          <a:prstGeom prst="rect">
+            <a:avLst/>
+          </a:prstGeom>
+          <a:noFill/>
+          <a:extLst>
+            <a:ext uri="{909E8E84-426E-40DD-AFC4-6F175D3DCCD1}">
+              <a14:hiddenFill xmlns:a14="http://schemas.microsoft.com/office/drawing/2010/main">
+                <a:solidFill>
+                  <a:srgbClr val="FFFFFF"/>
+                </a:solidFill>
+              </a14:hiddenFill>
+            </a:ext>
+          </a:extLst>
+        </p:spPr>
+      </p:pic>
+    </p:spTree>
+    <p:extLst>
+      <p:ext uri="{BB962C8B-B14F-4D97-AF65-F5344CB8AC3E}">
+        <p14:creationId xmlns:p14="http://schemas.microsoft.com/office/powerpoint/2010/main" val="774175955"/>
+      </p:ext>
+    </p:extLst>
+  </p:cSld>
+  <p:clrMapOvr>
+    <a:masterClrMapping/>
+  </p:clrMapOvr>
+</p:sld>
+</file>
+
+<file path=ppt/slides/slide21.xml><?xml version="1.0" encoding="utf-8"?>
+<p:sld xmlns:a="http://schemas.openxmlformats.org/drawingml/2006/main" xmlns:r="http://schemas.openxmlformats.org/officeDocument/2006/relationships" xmlns:p="http://schemas.openxmlformats.org/presentationml/2006/main">
+  <p:cSld>
+    <p:spTree>
+      <p:nvGrpSpPr>
+        <p:cNvPr id="1" name=""/>
+        <p:cNvGrpSpPr/>
+        <p:nvPr/>
+      </p:nvGrpSpPr>
+      <p:grpSpPr>
+        <a:xfrm>
+          <a:off x="0" y="0"/>
+          <a:ext cx="0" cy="0"/>
+          <a:chOff x="0" y="0"/>
+          <a:chExt cx="0" cy="0"/>
+        </a:xfrm>
+      </p:grpSpPr>
+      <p:sp>
+        <p:nvSpPr>
           <p:cNvPr id="4" name="AutoShape 2" descr="data:image/jpeg;base64,/9j/4AAQSkZJRgABAQAAAQABAAD/2wCEAAkGBhQSEBUQERIRFRQWFxoVGBUYGRcVGxYWFRcYFRgYGRcXGyYeFxkjGhgUHzAgJScpLCwsFR4xNTAqNSYrLCkBCQoKDgwOGg8PGjUkHyQ0LjU1NS8pKik1NCwpLiouLzUsKjQsLDAtNCoyMCoyLyosKi82LSwvLjUyNDQsLDUsKf/AABEIAKgBLAMBIgACEQEDEQH/xAAbAAEAAgMBAQAAAAAAAAAAAAAABQYDBAcBAv/EAEcQAAIBAwIDBQMHCAcIAwAAAAECAwAEERIhBRMxBiJBUWEycYEHFBUjM1KRFkJTYnJzkqGCg5OxssHDJDRDY6Kz0dIIJVT/xAAbAQEAAwEBAQEAAAAAAAAAAAAAAwQFAgEGB//EAC8RAAIBAwIFAgYABwAAAAAAAAABAgMEERIhBRMxQVFxgRRhkaGx8CIjMlLR4fH/2gAMAwEAAhEDEQA/AO40pSgFKUoBSlKAUpSgFKUoBSlKAUpSgFKUoBSlKAVq/SkPM5XNi5nTRrXVn9nOa0u1t1JHYzyQ51rGSCOo82HqBk/CuOyQ44cJWWAuzDSylBImHJZ5GLcxmYkKFAwAudj1rVq/LeEvmbfDeFK8g5ynjdRXq/33/Peajb3j0cUnLfXsqMzBGZVEjMiamA2yysPhvWv2QvXksIJZz3ygJJ8RkgMT6rg/GnEOBW80pncrzAkZR+4TGIneRXUkZAJcg+BAAqxF6kmZFam6VSVN9m19CRPE4sZ5sWNWj219r7vX2txt13r038YxmSPcgDvLuWwQBvuSCPxqt/kbEiEQS4bIjy2lhpDIeWcgnPdXfrv617N2TtgFeSckKBgsUA5Q5SAdMEfVx94+JPmMekZYYeKRO4jSRGYgthSG2UqGO3kWX8a2qheFcDjt21LKxA1ppJXSNXLOAAO6RywcDA7x26YmVcEAggg7gjfNAe0pSgFK0rzjMUTaHfv9eWoaRyPMRoC2PhWv9Jzv9lasPWaRYgfggkYfFRQErSuY/KDxnjUU9ubK21qmZJOUGkR85URvqAJAAY7Ae0p2OKu/ZfjzXcAkkt57aTo8UqMpVv1SQA6+RHxwdqAl61OK8TS3iaaTOlfAbkknAUDxJJA+NbdVzt/AXsmUEqTJF3uuPrFOamt4RqVYwl0bRzNtRbRHR9pZ5zs6QL4BQJG+LN3c+5fiakArac/PZ9X9V/dy65zbSTAlQhYjbKEHP9FiD/fUgHusZ5Fzj9239/SvoqljFPEWkvYpRqvvktEnaSeA7sk6+IIEb/Bl7pPoVHvFWjhnEUniWaMnSwyM7EEHBBHgQQQfdXHeITzgHKFf2yP8Kk/zxXRfk3fPDISTkky7+f10m9VL+zhToKqsZzjb0ft2JKNVynpLPSlKwi2KUpQClKUApSlAKUpQClKUApSlAKUpQClKUB4y5GD0qrn5M7Hm83knrnRqbRnr7Pl6dPSrTSuJQjL+pZJ6NzWoZ5U3HPXDwR/GeHmWAxJoG6YDDKgLIjHK+IwDt49Khk7DDWGaYsMk6NChe9IkrLjONOUwBjIBxkgCrTSuyAqp7BIS5eUtqUrjQu2Q4yBnAOHI2AG3SvX7CJzTIJSN2YLjIBZpWA0hgpUc0jGN8dRVppQFWi7BxjVqkL51Y1AtjUHAO7e0Nbbrp+FT3CrHkxLFqLac94jHVi38s43ydtyTvWxLKFUsxCqBkknAAHUknoKjebJcewWih+/jEkn7AI+rX9YjUfADZqAz3nGERuUoaSXGeUmCwHmxJCxr6sQD4ZrB8wmm3nk5a/ooSR/HNsx/ohPjW9Z2KRLpjUKM5PiST1ZmO7MfMkms9Aa9nYRxLpiRUHU4AGT5k9WPqdzWxSlAMV50r2sF9drFG0rdFBY+Zx4DzJ6AeJNAZUcEAgggjII3BB6EGoDt1LptQT+lj/xg/wCVSfArMxWsMTe0kaqfQhRkD0B2rD2j4KLq3aEkqTghh4Mu4NTUJqFWMpdE0czTcWkcx4INUh5U2k59kgNj+icEfjV6S3uuT9rb48+U2f8AuYqlfQE9s2Li15yj89AD8cHp8DUoOJ2nL0/MrrV5aWx/jxW9dVqdVpwkmvSL/LTKdOMo7NfkhO06AZEs2o/cUBc/0Vyx+JxV6+TKTPDItsYaQY/rXP8AnVP+gJ7k6YLXkIersANvcvX4mukdnuCra26QKchep8ydyfxqHiF1TnbxoxeXnPbw/G3c6o05Kbk1sSVKUrBLgpSlAKUpQHxLKFGpiFA6kkAD4mkM6uNSMrDzBBH4iuUfKfxNvpCKGVS0CKrCPJVXLE5JI9Rj4HpmnYS8aPjE1vF9gzzAoPZAQsUYDoMYAz5GqnxP8zRjvg+hXBG7T4jVvpcsY2wu2c9fb5HWqVWe0PFrmOWVYFVlW1MuScaX1MMjuNrOAO6SOnrWvdSXKpOwuZ8pcxRL3IPs5GgDH7HfAkff9UeRzbPni3UqtcCnunmkMjEwrJMne5YyEfTHpVEDA7Ekk4Odh0xDWHam8jhWSdC5eKJxrMajLq7M+oJGqqCFTQxLAuu5yNQF+pVR/Ldxq1wopAJKam1RnTOVWQadmZoVA8+aMeGfmXttMDJm2ChGxu4yAC43Ub6mCggHBIbYNtkC4UrR4NdtJCHfTq1OpxkAaXZcYO4OAM+tb1AKUpQClKUApSlAKxXNysaF3OFHU/5ADcknAAG5JxWWoq3/ANolMh+yiYrGPBpF7ryHz0nUi+oY75XAH1DaNMwlnGFBykJxhSOjSY2Z/EDovqRmpOlKAUpSgFKViublY0LuwVRuSdgKAyk1FIPnLq//AAEOpP8AmuOj/u16r9497oFJCJrndwyQeEZ7rS/vB1VP1Op/OwMqZUCgFaPGuMx2kD3E5IjTGogFiNTBRsoydyK3qje0PDjPAI1AP1sLEHYFY545HH8KtQH3LxyJbiO2LZklRpEABIKpjJJGwznbzwcdK2hcpp16k0/eyMdcdenWqNP2JuXQKWj1qskKvqb7BYuVAG8ctly2OnMbrWf8mJTL84+bQiMSq3zPUuk6YZITJsvL15ddsezGN84AAtljxWOaNJEYaZM6c90tg4OAd/Cvrh/EUmTmRkldTpkgjeN2jbY/rK1UOLsJODECBgJCmI3jUQGGVnOlnhZ8d4FShUkjBx1q39m+GvBb8uTGrmzvscjEs8kq/wDSwoCWpStWa+AbSMbdSTgD02Bya4nOMFmR1GLl0NqlYLW7D5HQjqOvXoQfEVnr2MlJZR4008MUpSujwiO0PZWC9UCdCSvssp0sueuD5ehrT4VwSy4YCVZEZ9tcjjWw+6M4zv4KNzW80j3DMsbmOJWKF1xrdlOlgmQQig5UtgkkHGMZOzZcJiiJMcYDHq5yzt+1I2Wb4k1xy46tWNyz8VX5XJ1vR4zsa30+G+ygupPdHyx+M5QUF7dH2bWNR+vNg/gkbD+dStK7KxFGW88I7Qf1sh/0q9Et34xWp/rZB/ompSlAQ5ubhWLtZxk4AzHMGbAycfWIm2Sds+Nff5QBftYLqP3xmQfxQlx/OpWlAa9nxGOUaopEceJVg2PQ46H0rYqO4pwdJQWCJzgp0Sd5GDY276EOFz1APSudfJ9xTiMHFp7PixdmnTVC/WNjD1ERAC4KMSRgHu7jJoDq1KV4zADJOB50B7StT6Xh/TQ/xr/5qP4d2oSQkPpQc140YMGVtDlRk/ms2MgHY+BNScueM4PMk3SlKjPTw1pcCtWjtoo3GGVFVhkHvAYJyPM5PxrerV4pxOO3iaeYlY0GWYKz6R5kKCcDxONqA2qVXeE/KFYXMqw293FJI2dKDVk4BJwCPIE/Cpq74jFENUskcY83ZVH/AFGgNilRX04X2t4ZZP1mBhj/AI5Blh+yrU+i5Jf95l7v6GLKJjyZs65PxVT4rQH3ccZGoxwKZpAcHBwiH/mSbhf2Rlt/Zr234WSwlnbmSDdRjCRn9RfP9Ykt1xgHFUyfty5nktbEW0SQ6gNaudZTUW0hMLGg0nc+nnUhwztW/EOGztCpS5VSulCR3iO6yEbgHf1GD76hjWhKWlGlW4ZcUKXNmtts/LPTPr/3culKp0dzfwuIxFqHNO7GSRQv1SqFkbLFSpkclsYbIzhe99ji160ZUwvqIwGCMN/ziCSCuAdtQG48cZMxmlupUdwAycgc8uZAzg6gAca209Ovd07+NSNAKUpQClKUB8SyhVLMQABkk7ACqVDdNK7lCcF2OSCPHyO4qV7aXRVIlBABfJz0OkZA/Hf4VTbi9mRy9tIup9ihAfUfMAHrUN7w6VzbqpGWMPzjY8pcQhbVWprbH3LPwq6xmRpWXPdAXT0B6nUD4+FT3CuJczUpILJjcbagehx4HYgj0qgcIs3kTcnbYjyI6ipLs5e8i6cSaiukKW6hCTkavHHXfw8aw7K6cZRp4wu/76m7fUqMacqjl0x92i+0pSvojDMcMCoNKKFGScAYGSSx/Ekn41krWtOIxyl1jdWaNtDgHdGHgw6jbceYORWzQClKUApSlAKUpQCvh4g2CQDpORkZwcEZHkcEjPqa+6w3N2sYBY41MqDqcs5CgYHqfgMnwoDNVa7YXGlrdTgqWclTuCVTK5HjgnPvx5VZa5v8tnFnt7eB48ajIyg9dOU6gee1XLGk61xCmu7OZPCyTNlbyzxLLGE0tnHeA6Er00HyqpWr3lxdSwQRR6Y3aJ3Yllyp0sG2C49NyR4Vdfk4k/8AqbVmP/CySfexJNSHCeOwSyyRQb6RrLqAFYsxBII9o5ByfHzNXVcyoyqRUE8ZXpv3OcZwVXj3a5uCxW8EzGcusp5jZGkpp0xgAE6e9gEkkY3zV24Tfc6CKbGnmRpJpznGtQ2M+PWuR/8AyG9qz903+lXU+yv+42v7iL/trXN1QgrOlXS/im5Z9n47CL/iaJShFKVkEhS7T5JrKO/e+SPGtCOSNkV2Iy6YPdyMjT07xxirPacFgiOqOGJG+8qqD/FjNbtKAUpSgOWcS7E3dtdvLZwxTK760Y6Q0LEk7ZZemT5qcDIq0/J92SaxgbmkGWUhmA3CgDurnxO5yem/xNqpVeFvCEtSNa44vXuKPJnjtl43eOmd/wAJFW4hx24W4YKpCKGULynfcvbhZCwIBGGl2BHQ5zjbDb9p7ktEGiP1hhLLypRoWVYAw1k9VZ5TnB9gggYzVvpVgyRSlKAUpSgFKUoDWveHxzLplQMOuDVM4/w6OG5QQrHHiMk9BnUcePu/nV4juFYkKykjqAQSPeB0rWv+DwzEGWNXx0zUVanzIac4ILijzoaM4/0c4NvMjs9vcpHq9oalI9432NZ7K0KKfrUZm3Ziy94n41dfyRtf0Ef4U/JG1/QR/hVP4Fdc/Yrytqs4KnKo2l++TJ2ZlLWseo5IBXPnpJUH8AKlKx29uqKEQAKOgHhWSr8I6YpFyEdMVHwcr7adhr88Zjv+GScrXGOc+QBmM6cFTtJqTSAp2yhJI61f4e0MQwkzGF+mJRysnp3WPcb+ixqL7TdrnhnSztkR53UuS+rTGgBJJC95jhWOB5eORWr2Z7a/OLh7G6SMSgHBUNokAGWBSQalON8HyPTG/HOhq0mmuG3Do85LbGfnjpnHj96FyBr2q9e8Ps4SRpMJETynlNJD3I8ajiJlGdxt1rQm4isYkIn4mixEK/cSQAkAjeWJmIwVPXxFSmeXClVe1vWd+Wt3dKxbQOZBEAXCcwpqEYGoLk426Hrg15Z8QMgyb6ZAVLgvDFGrIGC6lZ0wRll8fzhtvQFprxmAGTsB41ASW8e/N4hKQMZHNhixncZMKIRnfxr7bhtipJkMTlCAxmk5uk7kZ5rHB2P4elAbLdoom2g1Tt5RDWPjJkRr8WHxr7t7N3dZp9IK7pEpJVCQQWLEDW+CRnAABIGdyc/0jCNubEMHTjUowd8Drsdjt6VtUAqN412eguwguI9YRtS7suGxjOVI8DUhJIFBZiABuSdgB6mvUcEAggg7gjfIrqE5QeqLwwc7+UDstdi2SPh7AW0aFWtgpJPU685zJj7p9+G6VTuwvCrkqzoGaRsl8jXkBiAd2GNwRj06V3ataHhsaSNMqKHcYZhtqx5jpn161r0OLSpUJUXFPO+cfnz6kbhl5OdXHZe5nKiSFtgQDpRQM4zli5OOn4V0ThdnyoIoc55aKmfPSoGf5VsNIB1IHvOOm5r6qjcXc66UWkkvB0o4FKViurpY0LucKPHc9dgABuSTgADck4qodGWlRJ4tMd0s5iPNniQ/w6yR8cGvTxxl+1trlB94Ksw/CFmf/poCVpWpZcWimyIpEYjqoPeX3qdx8RW3QHyzgdSB4b+dY7u7WKNpZDpRQWY77Aeg3rkUYF9fXD3ciZQyRxwu+jThXwQPJdIzjqTk9DU38nUsl5YXNnM7FRiNXO5CuDlQc7gY2/a91VYXGuWMdc/Y3brg7t6Dqa8uOnKx/d0w87/RHQLTiCSAlGzg6SCCpDYDYKsAQdJBwR0NZJJ1VSxICgEk+QHWqzcdi4zMuJWHeaRYyXJxqhLEMHDNhlQZbOAwXGAteQ9iQF0Cfu7KVCdNOGUAliRvudRb2sDAAq0YRZra5WRQ6MGU53HoSD+BBHwrLWlwfhvIiEQIIDMQQun22L7geO/Wt2gFKUoBSlKA5ZwKApcRMoiMnzy5LIlu6TKjSXA1y3GSHjAZW0lRnuYOQMyJ4pdLbo0lxcLK1olxGOWh5106nVAVEXsqRHiMYY8xjnbboVKAoV5x6+WVogJO65t8iNSOZdFnglBxjREnLU+BJOd6xXvHbyOS5EbvKwWUqAu0apKoBaLk60YRlipBkEmM46CuhUoCh8Iv7qSeKI3DmEyy/WJh8rHHC4UytborLrLjKrvkrnK1fKUoChdtuy1wbpb+0RZG0GOSInGpSrIcbjIKsRsQRgEVh7F9krj558/ukEWldEcYOTgIIxncnAQY3OSd66HSq/w8der39zXXF66t+RhdNOe+nx1x9iK4x2biuTmVQx5TxDIVtIk05ZdQOGGkYNe3XAEkSdCzATlS2MbaVRBjbyQfialKVYMgj7PgUUcsk4RTJI5cuVXUMqqlQ2M6cKNqij2CtwqhMoQFyVCrrZCxV30gamGuQZ8de+4GLLSgKwexSqV5MrIoO4whGnlPHkLp06+8N8dM9azxdjIlK95yqB1RTpOlZBIGBOMv9od2JPdHmc2ClAVm67BwyE6nkwSTp2CgMHVu6BjJDnJxvgZzvmygV7SgK12sVRNavcLqtVaTmgrrRXZAInkXB7gPMGTsCyk+BqKkvUjwLczWlm3PcSIm0k6mIqI1dW0RtmUhQq62U4yD3r1SgKPZ3965EsryowltYzCI1CYnggMxOVLZV5JMHVhSuN9xUdwa7uks15ctweTZRNoKKxMrSTRy6gY9TsiqCEHiozqzv0mlAcs7RPLKJFRpbiJI7oRSlQSxewfUuUQBgHwAcdWK5OnA37/jt6J59L6WRrgLDgt9VHDI8Ugj+b9SRG2sykEsUxnYdEpQGjwVHEEfMd3cqGZnCg5YaiMKoAAJwBit0ivap3avt2tlxGxtXI5dzzFkP3SSiwtny1lgfQ58KAuNKUoDVvuFxTY5satjoSO8p81Yd5T6gitT5jPF9jLzF/RTEk+5ZgCw/pB/ePCVpQFE4n2Os7241SCa2uG3aPKrzMdWXIKvt1KE+u+atfBOBxWkIhgXCjck7lmPVmPielbN3ZJKuiRFZeuCOhHQjyYeBG4rQxLb/fnh8ussY9D/AMZfT2/2zUapwi9SW5bqXterTVKc24rosmhfdlXeZ5RKnez7SFjpZoGKHJ06RySB3fzvfnBB2OlUxHnp3DCzHQdTmIQqxLFie8IiNiNnOdQ2NntrpZEDowZT0I/D8c7YrLUhUFKUoBSlKAUpSgFKUoBSlKAUpSgFKUoBSlKAUpSgFKUoBSlKAUpSgFKUoBSlKAVT+2fya23EJBcTKzSogVAXZEwrF9J0bjVkgt1Gc+FXClAavDbpZIwV1DHdKt7SsuxVtz3h/PrvnNbVR95ZMH50OOZjDKdllA6An81h4N8DkdM9lfrKDjIZThkbZkPkw8Pf0I3BI3oDZpSlAKUpQEddWDKxmgwHO7odll9/3XxsH9wOQBjZsr1ZV1LkEHSynZkYdVYeB6ehBBGQQa2Kr/arikVknz6RxGFIR8gkSKScLsD3xuVJ8crkBsgCwUqM7PdpIL6Hn2rl49RTVpZclcZwGAJG/Wt26u1jGpzgEgDAJJJ6AAbk0BmpWj9MJ5Tf2Uv/AK0+mE8pv7KX/wBaA3qVo/TKeU39lL/61s210si6kORkjoQQRsQQdwaAy0pSgFKUoBSlKAUpSgFKUoBSlKAUpSgFKUoBSlKAUpSgFKVyvtXxVpuJyW8omaCFCRDGGOptAIdlRlLbsD16D31FVqctZL9hZO7m4p4STb77LwtvydUr5kkCgsxAAGSTsABuST4CuefJ3xOVb25sHbVHHqZcFmCFXC6VLksFOroSdx783viliJoZISSA6lcjwyMZ9fdXtOpzI5OL20dpV5bedk0/k9z4teMwyECOVGJJAAO+QNR292/u3rDJDHcYlhkAkUYWVMHYgOFYdHQhlOk+eRg71H/QE/N+cGdDIG7qEOYwCjq2AX1DOoHAOBpx4lqkOA8G+axmPXqGVOcY9mKOLff/AJefjUhTPI+LlCI7lRGScCQfZOT0wx9hj91vcC1SlfMkQYFWAIIwQRkEHqCD1FRn0U8W9q4C/oZMtHjyQ+1F7hlR93yAlaVFDj6ptcq0B6anwYz7ph3fcG0n0qTVwRkEEHoR40B9VHdouBpeWstpL7EqFSfunqrD1VsEe6pGlAVj5Nuzr2PDIbWUASLrL437zSM3X3EVJca+0tv33+nJUrUVxr7S1/f/AOlJQHH7m/u50kkhu5yyFmIV26AnI0g7VW/ynvP/ANVz/aP/AOaxWU7pcloiwYMcFc56+lWm34SdYZ0Gv2irDrnfdf8AKv01qnb7Simu2yMLMp9GYeDX18Gjle5ucFlwC7dNQ3IJ6HyrsvCCQ1x+/b/ClcuureV2DOx2KnA2AwR4CuocH9q4/ft/hSvkuNSUnCSSXXp7GjarGUS9KUr58uClKUApSlAKUpQClKUApSlAKUpQClKUApSlAKUpQCqz2m7BQ3kgm1vFMBjWmNwOmR4keeQas1K5lBTWJInoXFS3nrpSwyC7L9j4bFWEWpnf2pGxk46AY2ArDdcBnZmIdSC7NvJMutWDaEOnZBHkY09dA6GrHSkYqKwjmtWqVpupUeWypv2SmMYHzgmXLHmlnyGIuEEijJCsFlTp9z0FE7IzGNlknLZRlUFmKqHE4ZcKFBX6yPw/M9BVspXREY4EwqggAgAYG4GB4E9RWSlKA8IqMfs5FnMWuA+cLGMZ8yg7jH9pTUpSgIr6OuF9i71fvYkf/tmOg4TI5/2icuvjGiCJG9G3ZyPTVg9CCNqlaUAqJ444ElsSQBz+p26xyCpatXiPDo50McqhlPgaA5XbdkLuFmaOOAnJwRLGOp67mtmw7O3StqkRSSck82M5P8VT6cE4cYkl+bnvy8gJgauaJGjZSM47pVyd/ZUms1v2b4a3LBSJHlUOkbOmshhnYKx1eO6kjbrWxLjFaXWK+j/yVlbRXdmA8OZkKmMBjtkvFgb9Ths1PcEcE3BBBBnfcb/moP76jx2Q4djOiHGFb2l9lzhW69CdgfGrBY8OjhQRxKFUdAKzq1eVXGexNGCibNKUqA7FKUoBSlKAUpSgFKUoBSlKAUpSgFKUoBSlKAUpSgFKUoBSlKAUpSgFKUoBSlKAUpSgFKUoCAi7NkXrT6l5PelVN8i4kRYnfyxoU49ZXqB4d8n8sRhUyK6qLUv9bKoVrVY1wsSjEgJjBBJXBY5B6UpQGxZdgnSdJDIhRZCCoG5tYisltF06pIik+GC3nV1pSgP/2Q=="/>
           <p:cNvSpPr>
             <a:spLocks noChangeAspect="1" noChangeArrowheads="1"/>
@@ -12154,7 +12224,7 @@
 </p:sld>
 </file>
 
-<file path=ppt/slides/slide21.xml><?xml version="1.0" encoding="utf-8"?>
+<file path=ppt/slides/slide22.xml><?xml version="1.0" encoding="utf-8"?>
 <p:sld xmlns:a="http://schemas.openxmlformats.org/drawingml/2006/main" xmlns:r="http://schemas.openxmlformats.org/officeDocument/2006/relationships" xmlns:p="http://schemas.openxmlformats.org/presentationml/2006/main">
   <p:cSld>
     <p:spTree>
@@ -12550,7 +12620,7 @@
 </p:sld>
 </file>
 
-<file path=ppt/slides/slide22.xml><?xml version="1.0" encoding="utf-8"?>
+<file path=ppt/slides/slide23.xml><?xml version="1.0" encoding="utf-8"?>
 <p:sld xmlns:a="http://schemas.openxmlformats.org/drawingml/2006/main" xmlns:r="http://schemas.openxmlformats.org/officeDocument/2006/relationships" xmlns:p="http://schemas.openxmlformats.org/presentationml/2006/main">
   <p:cSld>
     <p:spTree>
@@ -13360,7 +13430,7 @@
               <a:buChar char="•"/>
             </a:pPr>
             <a:r>
-              <a:rPr lang="en-US" sz="1900" b="1">
+              <a:rPr lang="en-US" sz="1900" b="1" dirty="0">
                 <a:solidFill>
                   <a:schemeClr val="dk1"/>
                 </a:solidFill>
@@ -13388,7 +13458,7 @@
               <a:buChar char="§"/>
             </a:pPr>
             <a:r>
-              <a:rPr lang="en-US" sz="1700">
+              <a:rPr lang="en-US" sz="1700" dirty="0">
                 <a:solidFill>
                   <a:schemeClr val="dk1"/>
                 </a:solidFill>
@@ -13416,7 +13486,7 @@
               <a:buChar char="§"/>
             </a:pPr>
             <a:r>
-              <a:rPr lang="en-US" sz="1700">
+              <a:rPr lang="en-US" sz="1700" dirty="0">
                 <a:solidFill>
                   <a:schemeClr val="dk1"/>
                 </a:solidFill>
@@ -13429,7 +13499,7 @@
             </a:r>
           </a:p>
           <a:p>
-            <a:endParaRPr lang="en-US" sz="1700">
+            <a:endParaRPr lang="en-US" sz="1700" dirty="0">
               <a:solidFill>
                 <a:schemeClr val="dk1"/>
               </a:solidFill>
@@ -13455,7 +13525,7 @@
               <a:buChar char="•"/>
             </a:pPr>
             <a:r>
-              <a:rPr lang="en-US" sz="1900" b="1">
+              <a:rPr lang="en-US" sz="1900" b="1" dirty="0">
                 <a:solidFill>
                   <a:schemeClr val="dk1"/>
                 </a:solidFill>
@@ -13468,7 +13538,7 @@
             </a:r>
           </a:p>
           <a:p>
-            <a:endParaRPr lang="en-US" sz="1900" b="1">
+            <a:endParaRPr lang="en-US" sz="1900" b="1" dirty="0">
               <a:solidFill>
                 <a:schemeClr val="dk1"/>
               </a:solidFill>
@@ -13494,7 +13564,7 @@
               <a:buChar char="•"/>
             </a:pPr>
             <a:r>
-              <a:rPr lang="en-US" sz="1900" b="1">
+              <a:rPr lang="en-US" sz="1900" b="1" dirty="0">
                 <a:solidFill>
                   <a:schemeClr val="dk1"/>
                 </a:solidFill>
@@ -13522,7 +13592,7 @@
               <a:buChar char="§"/>
             </a:pPr>
             <a:r>
-              <a:rPr lang="en-US" sz="1700">
+              <a:rPr lang="en-US" sz="1700" dirty="0">
                 <a:solidFill>
                   <a:schemeClr val="dk1"/>
                 </a:solidFill>
@@ -13531,11 +13601,35 @@
                 <a:cs typeface="Arial"/>
                 <a:sym typeface="Arial"/>
               </a:rPr>
-              <a:t>Apache Tomcat is an open source software implementation of the Java Servlet and JavaServer Pages (JSP) technologies. </a:t>
-            </a:r>
-          </a:p>
-          <a:p>
-            <a:endParaRPr lang="en-US" sz="1700">
+              <a:t>Apache Tomcat is an open source software implementation of the Java Servlet and </a:t>
+            </a:r>
+            <a:r>
+              <a:rPr lang="en-US" sz="1700" dirty="0" err="1">
+                <a:solidFill>
+                  <a:schemeClr val="dk1"/>
+                </a:solidFill>
+                <a:latin typeface="Arial"/>
+                <a:ea typeface="Arial"/>
+                <a:cs typeface="Arial"/>
+                <a:sym typeface="Arial"/>
+              </a:rPr>
+              <a:t>JavaServer</a:t>
+            </a:r>
+            <a:r>
+              <a:rPr lang="en-US" sz="1700" dirty="0">
+                <a:solidFill>
+                  <a:schemeClr val="dk1"/>
+                </a:solidFill>
+                <a:latin typeface="Arial"/>
+                <a:ea typeface="Arial"/>
+                <a:cs typeface="Arial"/>
+                <a:sym typeface="Arial"/>
+              </a:rPr>
+              <a:t> Pages (JSP) technologies. </a:t>
+            </a:r>
+          </a:p>
+          <a:p>
+            <a:endParaRPr lang="en-US" sz="1700" dirty="0">
               <a:solidFill>
                 <a:schemeClr val="dk1"/>
               </a:solidFill>
@@ -13561,7 +13655,7 @@
               <a:buChar char="§"/>
             </a:pPr>
             <a:r>
-              <a:rPr lang="en-US" sz="1700" u="sng">
+              <a:rPr lang="en-US" sz="1700" u="sng" dirty="0">
                 <a:solidFill>
                   <a:schemeClr val="hlink"/>
                 </a:solidFill>
@@ -13571,39 +13665,33 @@
                 <a:sym typeface="Arial"/>
                 <a:hlinkClick r:id="rId3"/>
               </a:rPr>
-              <a:t>http://tomcat.apache.org/download-60.cgi</a:t>
-            </a:r>
-          </a:p>
-          <a:p>
-            <a:pPr lvl="2">
-              <a:lnSpc>
-                <a:spcPct val="80000"/>
-              </a:lnSpc>
-              <a:spcBef>
-                <a:spcPts val="400"/>
-              </a:spcBef>
-              <a:buClr>
-                <a:schemeClr val="folHlink"/>
-              </a:buClr>
-              <a:buSzPct val="98958"/>
-              <a:buFont typeface="Arial"/>
-              <a:buChar char="•"/>
-            </a:pPr>
-            <a:r>
-              <a:rPr lang="en-US">
-                <a:solidFill>
-                  <a:schemeClr val="dk1"/>
+              <a:t>http://</a:t>
+            </a:r>
+            <a:r>
+              <a:rPr lang="en-US" sz="1700" u="sng" dirty="0" smtClean="0">
+                <a:solidFill>
+                  <a:schemeClr val="hlink"/>
                 </a:solidFill>
                 <a:latin typeface="Arial"/>
                 <a:ea typeface="Arial"/>
                 <a:cs typeface="Arial"/>
                 <a:sym typeface="Arial"/>
-              </a:rPr>
-              <a:t>Windows Service Installer (6.0.20)</a:t>
-            </a:r>
-          </a:p>
-          <a:p>
-            <a:endParaRPr lang="en-US" sz="1800">
+                <a:hlinkClick r:id="rId3"/>
+              </a:rPr>
+              <a:t>tomcat.apache.org/download-70.cgi</a:t>
+            </a:r>
+            <a:endParaRPr lang="en-US" dirty="0">
+              <a:solidFill>
+                <a:schemeClr val="dk1"/>
+              </a:solidFill>
+              <a:latin typeface="Arial"/>
+              <a:ea typeface="Arial"/>
+              <a:cs typeface="Arial"/>
+              <a:sym typeface="Arial"/>
+            </a:endParaRPr>
+          </a:p>
+          <a:p>
+            <a:endParaRPr lang="en-US" sz="1800" dirty="0">
               <a:solidFill>
                 <a:schemeClr val="dk1"/>
               </a:solidFill>
@@ -13629,7 +13717,7 @@
               <a:buChar char="§"/>
             </a:pPr>
             <a:r>
-              <a:rPr lang="en-US" sz="1900">
+              <a:rPr lang="en-US" sz="1900" dirty="0">
                 <a:solidFill>
                   <a:schemeClr val="dk1"/>
                 </a:solidFill>
@@ -13638,8 +13726,29 @@
                 <a:cs typeface="Arial"/>
                 <a:sym typeface="Arial"/>
               </a:rPr>
-              <a:t>Prerequisite – JDK 1.6</a:t>
-            </a:r>
+              <a:t>Prerequisite – JDK </a:t>
+            </a:r>
+            <a:r>
+              <a:rPr lang="en-US" sz="1900" dirty="0" smtClean="0">
+                <a:solidFill>
+                  <a:schemeClr val="dk1"/>
+                </a:solidFill>
+                <a:latin typeface="Arial"/>
+                <a:ea typeface="Arial"/>
+                <a:cs typeface="Arial"/>
+                <a:sym typeface="Arial"/>
+              </a:rPr>
+              <a:t>1.6 and above. Prefer java 7</a:t>
+            </a:r>
+            <a:endParaRPr lang="en-US" sz="1900" dirty="0">
+              <a:solidFill>
+                <a:schemeClr val="dk1"/>
+              </a:solidFill>
+              <a:latin typeface="Arial"/>
+              <a:ea typeface="Arial"/>
+              <a:cs typeface="Arial"/>
+              <a:sym typeface="Arial"/>
+            </a:endParaRPr>
           </a:p>
           <a:p>
             <a:pPr lvl="2">
@@ -13657,7 +13766,7 @@
               <a:buChar char="•"/>
             </a:pPr>
             <a:r>
-              <a:rPr lang="en-US" sz="1300">
+              <a:rPr lang="en-US" sz="1300" dirty="0">
                 <a:solidFill>
                   <a:schemeClr val="dk1"/>
                 </a:solidFill>
@@ -13685,21 +13794,9 @@
               <a:buChar char="•"/>
             </a:pPr>
             <a:r>
-              <a:rPr lang="en-US" sz="1300">
+              <a:rPr lang="en-US" sz="1300" dirty="0">
                 <a:solidFill>
                   <a:schemeClr val="dk1"/>
-                </a:solidFill>
-                <a:latin typeface="Arial"/>
-                <a:ea typeface="Arial"/>
-                <a:cs typeface="Arial"/>
-                <a:sym typeface="Arial"/>
-              </a:rPr>
-              <a:t>(</a:t>
-            </a:r>
-            <a:r>
-              <a:rPr lang="en-US" sz="1300" u="sng">
-                <a:solidFill>
-                  <a:schemeClr val="hlink"/>
                 </a:solidFill>
                 <a:latin typeface="Arial"/>
                 <a:ea typeface="Arial"/>
@@ -13707,10 +13804,10 @@
                 <a:sym typeface="Arial"/>
                 <a:hlinkClick r:id="rId4"/>
               </a:rPr>
-              <a:t>http://java.sun.com/javase/downloads/index.jsp</a:t>
-            </a:r>
-            <a:r>
-              <a:rPr lang="en-US" sz="1300">
+              <a:t>http://</a:t>
+            </a:r>
+            <a:r>
+              <a:rPr lang="en-US" sz="1300" dirty="0" smtClean="0">
                 <a:solidFill>
                   <a:schemeClr val="dk1"/>
                 </a:solidFill>
@@ -13718,12 +13815,39 @@
                 <a:ea typeface="Arial"/>
                 <a:cs typeface="Arial"/>
                 <a:sym typeface="Arial"/>
-              </a:rPr>
-              <a:t>)</a:t>
-            </a:r>
-          </a:p>
-          <a:p>
-            <a:endParaRPr lang="en-US" sz="1300">
+                <a:hlinkClick r:id="rId4"/>
+              </a:rPr>
+              <a:t>www.oracle.com/technetwork/java/javase/downloads/jdk7-downloads-1880260.html</a:t>
+            </a:r>
+            <a:r>
+              <a:rPr lang="en-US" sz="1300" dirty="0" smtClean="0">
+                <a:solidFill>
+                  <a:schemeClr val="dk1"/>
+                </a:solidFill>
+                <a:latin typeface="Arial"/>
+                <a:ea typeface="Arial"/>
+                <a:cs typeface="Arial"/>
+                <a:sym typeface="Arial"/>
+              </a:rPr>
+              <a:t> </a:t>
+            </a:r>
+          </a:p>
+          <a:p>
+            <a:pPr lvl="2">
+              <a:lnSpc>
+                <a:spcPct val="80000"/>
+              </a:lnSpc>
+              <a:spcBef>
+                <a:spcPts val="400"/>
+              </a:spcBef>
+              <a:buClr>
+                <a:schemeClr val="folHlink"/>
+              </a:buClr>
+              <a:buSzPct val="131944"/>
+              <a:buFont typeface="Arial"/>
+              <a:buChar char="•"/>
+            </a:pPr>
+            <a:endParaRPr lang="en-US" sz="1300" dirty="0">
               <a:solidFill>
                 <a:schemeClr val="dk1"/>
               </a:solidFill>
@@ -13749,7 +13873,7 @@
               <a:buChar char="•"/>
             </a:pPr>
             <a:r>
-              <a:rPr lang="en-US" sz="2100" b="1">
+              <a:rPr lang="en-US" sz="2100" b="1" dirty="0">
                 <a:solidFill>
                   <a:schemeClr val="dk1"/>
                 </a:solidFill>
@@ -13758,8 +13882,29 @@
                 <a:cs typeface="Arial"/>
                 <a:sym typeface="Arial"/>
               </a:rPr>
-              <a:t>IIS – for ASP .Net</a:t>
-            </a:r>
+              <a:t>IIS – for ASP </a:t>
+            </a:r>
+            <a:r>
+              <a:rPr lang="en-US" sz="2100" b="1" dirty="0" err="1">
+                <a:solidFill>
+                  <a:schemeClr val="dk1"/>
+                </a:solidFill>
+                <a:latin typeface="Arial"/>
+                <a:ea typeface="Arial"/>
+                <a:cs typeface="Arial"/>
+                <a:sym typeface="Arial"/>
+              </a:rPr>
+              <a:t>.Net</a:t>
+            </a:r>
+            <a:endParaRPr lang="en-US" sz="2100" b="1" dirty="0">
+              <a:solidFill>
+                <a:schemeClr val="dk1"/>
+              </a:solidFill>
+              <a:latin typeface="Arial"/>
+              <a:ea typeface="Arial"/>
+              <a:cs typeface="Arial"/>
+              <a:sym typeface="Arial"/>
+            </a:endParaRPr>
           </a:p>
         </p:txBody>
       </p:sp>
